--- a/docs/presentation/Abschlusspräsentation Node-Red.pptx
+++ b/docs/presentation/Abschlusspräsentation Node-Red.pptx
@@ -5,32 +5,36 @@
     <p:sldMasterId id="2147483891" r:id="rId1"/>
   </p:sldMasterIdLst>
   <p:notesMasterIdLst>
-    <p:notesMasterId r:id="rId5"/>
+    <p:notesMasterId r:id="rId9"/>
   </p:notesMasterIdLst>
   <p:handoutMasterIdLst>
-    <p:handoutMasterId r:id="rId6"/>
+    <p:handoutMasterId r:id="rId10"/>
   </p:handoutMasterIdLst>
   <p:sldIdLst>
     <p:sldId id="256" r:id="rId2"/>
     <p:sldId id="308" r:id="rId3"/>
-    <p:sldId id="307" r:id="rId4"/>
+    <p:sldId id="309" r:id="rId4"/>
+    <p:sldId id="312" r:id="rId5"/>
+    <p:sldId id="314" r:id="rId6"/>
+    <p:sldId id="315" r:id="rId7"/>
+    <p:sldId id="307" r:id="rId8"/>
   </p:sldIdLst>
   <p:sldSz cx="12192000" cy="6858000"/>
   <p:notesSz cx="6858000" cy="9144000"/>
   <p:embeddedFontLst>
     <p:embeddedFont>
       <p:font typeface="Calibri" panose="020F0502020204030204" pitchFamily="34" charset="0"/>
-      <p:regular r:id="rId7"/>
-      <p:bold r:id="rId8"/>
-      <p:italic r:id="rId9"/>
-      <p:boldItalic r:id="rId10"/>
-    </p:embeddedFont>
-    <p:embeddedFont>
-      <p:font typeface="Open Sans" panose="020B0606030504020204" pitchFamily="34" charset="0"/>
       <p:regular r:id="rId11"/>
       <p:bold r:id="rId12"/>
       <p:italic r:id="rId13"/>
       <p:boldItalic r:id="rId14"/>
+    </p:embeddedFont>
+    <p:embeddedFont>
+      <p:font typeface="Open Sans" panose="020B0606030504020204" pitchFamily="34" charset="0"/>
+      <p:regular r:id="rId15"/>
+      <p:bold r:id="rId16"/>
+      <p:italic r:id="rId17"/>
+      <p:boldItalic r:id="rId18"/>
     </p:embeddedFont>
   </p:embeddedFontLst>
   <p:defaultTextStyle>
@@ -135,6 +139,10 @@
           <p14:sldIdLst>
             <p14:sldId id="256"/>
             <p14:sldId id="308"/>
+            <p14:sldId id="309"/>
+            <p14:sldId id="312"/>
+            <p14:sldId id="314"/>
+            <p14:sldId id="315"/>
             <p14:sldId id="307"/>
           </p14:sldIdLst>
         </p14:section>
@@ -142,6 +150,9 @@
     </p:ext>
     <p:ext uri="{EFAFB233-063F-42B5-8137-9DF3F51BA10A}">
       <p15:sldGuideLst xmlns:p15="http://schemas.microsoft.com/office/powerpoint/2012/main"/>
+    </p:ext>
+    <p:ext uri="{2D200454-40CA-4A62-9FC3-DE9A4176ACB9}">
+      <p15:notesGuideLst xmlns:p15="http://schemas.microsoft.com/office/powerpoint/2012/main"/>
     </p:ext>
   </p:extLst>
 </p:presentation>
@@ -157,6 +168,3380 @@
     </p:extLst>
   </p:cmAuthor>
 </p:cmAuthorLst>
+</file>
+
+<file path=ppt/diagrams/colors1.xml><?xml version="1.0" encoding="utf-8"?>
+<dgm:colorsDef xmlns:dgm="http://schemas.openxmlformats.org/drawingml/2006/diagram" xmlns:a="http://schemas.openxmlformats.org/drawingml/2006/main" uniqueId="urn:microsoft.com/office/officeart/2005/8/colors/accent2_2">
+  <dgm:title val=""/>
+  <dgm:desc val=""/>
+  <dgm:catLst>
+    <dgm:cat type="accent2" pri="11200"/>
+  </dgm:catLst>
+  <dgm:styleLbl name="node0">
+    <dgm:fillClrLst meth="repeat">
+      <a:schemeClr val="accent2"/>
+    </dgm:fillClrLst>
+    <dgm:linClrLst meth="repeat">
+      <a:schemeClr val="lt1"/>
+    </dgm:linClrLst>
+    <dgm:effectClrLst/>
+    <dgm:txLinClrLst/>
+    <dgm:txFillClrLst/>
+    <dgm:txEffectClrLst/>
+  </dgm:styleLbl>
+  <dgm:styleLbl name="node1">
+    <dgm:fillClrLst meth="repeat">
+      <a:schemeClr val="accent2"/>
+    </dgm:fillClrLst>
+    <dgm:linClrLst meth="repeat">
+      <a:schemeClr val="lt1"/>
+    </dgm:linClrLst>
+    <dgm:effectClrLst/>
+    <dgm:txLinClrLst/>
+    <dgm:txFillClrLst/>
+    <dgm:txEffectClrLst/>
+  </dgm:styleLbl>
+  <dgm:styleLbl name="alignNode1">
+    <dgm:fillClrLst meth="repeat">
+      <a:schemeClr val="accent2"/>
+    </dgm:fillClrLst>
+    <dgm:linClrLst meth="repeat">
+      <a:schemeClr val="accent2"/>
+    </dgm:linClrLst>
+    <dgm:effectClrLst/>
+    <dgm:txLinClrLst/>
+    <dgm:txFillClrLst/>
+    <dgm:txEffectClrLst/>
+  </dgm:styleLbl>
+  <dgm:styleLbl name="lnNode1">
+    <dgm:fillClrLst meth="repeat">
+      <a:schemeClr val="accent2"/>
+    </dgm:fillClrLst>
+    <dgm:linClrLst meth="repeat">
+      <a:schemeClr val="lt1"/>
+    </dgm:linClrLst>
+    <dgm:effectClrLst/>
+    <dgm:txLinClrLst/>
+    <dgm:txFillClrLst/>
+    <dgm:txEffectClrLst/>
+  </dgm:styleLbl>
+  <dgm:styleLbl name="vennNode1">
+    <dgm:fillClrLst meth="repeat">
+      <a:schemeClr val="accent2">
+        <a:alpha val="50000"/>
+      </a:schemeClr>
+    </dgm:fillClrLst>
+    <dgm:linClrLst meth="repeat">
+      <a:schemeClr val="lt1"/>
+    </dgm:linClrLst>
+    <dgm:effectClrLst/>
+    <dgm:txLinClrLst/>
+    <dgm:txFillClrLst/>
+    <dgm:txEffectClrLst/>
+  </dgm:styleLbl>
+  <dgm:styleLbl name="node2">
+    <dgm:fillClrLst meth="repeat">
+      <a:schemeClr val="accent2"/>
+    </dgm:fillClrLst>
+    <dgm:linClrLst meth="repeat">
+      <a:schemeClr val="lt1"/>
+    </dgm:linClrLst>
+    <dgm:effectClrLst/>
+    <dgm:txLinClrLst/>
+    <dgm:txFillClrLst/>
+    <dgm:txEffectClrLst/>
+  </dgm:styleLbl>
+  <dgm:styleLbl name="node3">
+    <dgm:fillClrLst meth="repeat">
+      <a:schemeClr val="accent2"/>
+    </dgm:fillClrLst>
+    <dgm:linClrLst meth="repeat">
+      <a:schemeClr val="lt1"/>
+    </dgm:linClrLst>
+    <dgm:effectClrLst/>
+    <dgm:txLinClrLst/>
+    <dgm:txFillClrLst/>
+    <dgm:txEffectClrLst/>
+  </dgm:styleLbl>
+  <dgm:styleLbl name="node4">
+    <dgm:fillClrLst meth="repeat">
+      <a:schemeClr val="accent2"/>
+    </dgm:fillClrLst>
+    <dgm:linClrLst meth="repeat">
+      <a:schemeClr val="lt1"/>
+    </dgm:linClrLst>
+    <dgm:effectClrLst/>
+    <dgm:txLinClrLst/>
+    <dgm:txFillClrLst/>
+    <dgm:txEffectClrLst/>
+  </dgm:styleLbl>
+  <dgm:styleLbl name="fgImgPlace1">
+    <dgm:fillClrLst meth="repeat">
+      <a:schemeClr val="accent2">
+        <a:tint val="50000"/>
+      </a:schemeClr>
+    </dgm:fillClrLst>
+    <dgm:linClrLst meth="repeat">
+      <a:schemeClr val="lt1"/>
+    </dgm:linClrLst>
+    <dgm:effectClrLst/>
+    <dgm:txLinClrLst/>
+    <dgm:txFillClrLst meth="repeat">
+      <a:schemeClr val="lt1"/>
+    </dgm:txFillClrLst>
+    <dgm:txEffectClrLst/>
+  </dgm:styleLbl>
+  <dgm:styleLbl name="alignImgPlace1">
+    <dgm:fillClrLst meth="repeat">
+      <a:schemeClr val="accent2">
+        <a:tint val="50000"/>
+      </a:schemeClr>
+    </dgm:fillClrLst>
+    <dgm:linClrLst meth="repeat">
+      <a:schemeClr val="lt1"/>
+    </dgm:linClrLst>
+    <dgm:effectClrLst/>
+    <dgm:txLinClrLst/>
+    <dgm:txFillClrLst meth="repeat">
+      <a:schemeClr val="lt1"/>
+    </dgm:txFillClrLst>
+    <dgm:txEffectClrLst/>
+  </dgm:styleLbl>
+  <dgm:styleLbl name="bgImgPlace1">
+    <dgm:fillClrLst meth="repeat">
+      <a:schemeClr val="accent2">
+        <a:tint val="50000"/>
+      </a:schemeClr>
+    </dgm:fillClrLst>
+    <dgm:linClrLst meth="repeat">
+      <a:schemeClr val="lt1"/>
+    </dgm:linClrLst>
+    <dgm:effectClrLst/>
+    <dgm:txLinClrLst/>
+    <dgm:txFillClrLst meth="repeat">
+      <a:schemeClr val="lt1"/>
+    </dgm:txFillClrLst>
+    <dgm:txEffectClrLst/>
+  </dgm:styleLbl>
+  <dgm:styleLbl name="sibTrans2D1">
+    <dgm:fillClrLst meth="repeat">
+      <a:schemeClr val="accent2">
+        <a:tint val="60000"/>
+      </a:schemeClr>
+    </dgm:fillClrLst>
+    <dgm:linClrLst meth="repeat">
+      <a:schemeClr val="accent2">
+        <a:tint val="60000"/>
+      </a:schemeClr>
+    </dgm:linClrLst>
+    <dgm:effectClrLst/>
+    <dgm:txLinClrLst/>
+    <dgm:txFillClrLst/>
+    <dgm:txEffectClrLst/>
+  </dgm:styleLbl>
+  <dgm:styleLbl name="fgSibTrans2D1">
+    <dgm:fillClrLst meth="repeat">
+      <a:schemeClr val="accent2">
+        <a:tint val="60000"/>
+      </a:schemeClr>
+    </dgm:fillClrLst>
+    <dgm:linClrLst meth="repeat">
+      <a:schemeClr val="accent2">
+        <a:tint val="60000"/>
+      </a:schemeClr>
+    </dgm:linClrLst>
+    <dgm:effectClrLst/>
+    <dgm:txLinClrLst/>
+    <dgm:txFillClrLst/>
+    <dgm:txEffectClrLst/>
+  </dgm:styleLbl>
+  <dgm:styleLbl name="bgSibTrans2D1">
+    <dgm:fillClrLst meth="repeat">
+      <a:schemeClr val="accent2">
+        <a:tint val="60000"/>
+      </a:schemeClr>
+    </dgm:fillClrLst>
+    <dgm:linClrLst meth="repeat">
+      <a:schemeClr val="accent2">
+        <a:tint val="60000"/>
+      </a:schemeClr>
+    </dgm:linClrLst>
+    <dgm:effectClrLst/>
+    <dgm:txLinClrLst/>
+    <dgm:txFillClrLst/>
+    <dgm:txEffectClrLst/>
+  </dgm:styleLbl>
+  <dgm:styleLbl name="sibTrans1D1">
+    <dgm:fillClrLst meth="repeat">
+      <a:schemeClr val="accent2"/>
+    </dgm:fillClrLst>
+    <dgm:linClrLst meth="repeat">
+      <a:schemeClr val="accent2"/>
+    </dgm:linClrLst>
+    <dgm:effectClrLst/>
+    <dgm:txLinClrLst/>
+    <dgm:txFillClrLst meth="repeat">
+      <a:schemeClr val="tx1"/>
+    </dgm:txFillClrLst>
+    <dgm:txEffectClrLst/>
+  </dgm:styleLbl>
+  <dgm:styleLbl name="callout">
+    <dgm:fillClrLst meth="repeat">
+      <a:schemeClr val="accent2"/>
+    </dgm:fillClrLst>
+    <dgm:linClrLst meth="repeat">
+      <a:schemeClr val="accent2">
+        <a:tint val="50000"/>
+      </a:schemeClr>
+    </dgm:linClrLst>
+    <dgm:effectClrLst/>
+    <dgm:txLinClrLst/>
+    <dgm:txFillClrLst meth="repeat">
+      <a:schemeClr val="tx1"/>
+    </dgm:txFillClrLst>
+    <dgm:txEffectClrLst/>
+  </dgm:styleLbl>
+  <dgm:styleLbl name="asst0">
+    <dgm:fillClrLst meth="repeat">
+      <a:schemeClr val="accent2"/>
+    </dgm:fillClrLst>
+    <dgm:linClrLst meth="repeat">
+      <a:schemeClr val="lt1"/>
+    </dgm:linClrLst>
+    <dgm:effectClrLst/>
+    <dgm:txLinClrLst/>
+    <dgm:txFillClrLst/>
+    <dgm:txEffectClrLst/>
+  </dgm:styleLbl>
+  <dgm:styleLbl name="asst1">
+    <dgm:fillClrLst meth="repeat">
+      <a:schemeClr val="accent2"/>
+    </dgm:fillClrLst>
+    <dgm:linClrLst meth="repeat">
+      <a:schemeClr val="lt1"/>
+    </dgm:linClrLst>
+    <dgm:effectClrLst/>
+    <dgm:txLinClrLst/>
+    <dgm:txFillClrLst/>
+    <dgm:txEffectClrLst/>
+  </dgm:styleLbl>
+  <dgm:styleLbl name="asst2">
+    <dgm:fillClrLst meth="repeat">
+      <a:schemeClr val="accent2"/>
+    </dgm:fillClrLst>
+    <dgm:linClrLst meth="repeat">
+      <a:schemeClr val="lt1"/>
+    </dgm:linClrLst>
+    <dgm:effectClrLst/>
+    <dgm:txLinClrLst/>
+    <dgm:txFillClrLst/>
+    <dgm:txEffectClrLst/>
+  </dgm:styleLbl>
+  <dgm:styleLbl name="asst3">
+    <dgm:fillClrLst meth="repeat">
+      <a:schemeClr val="accent2"/>
+    </dgm:fillClrLst>
+    <dgm:linClrLst meth="repeat">
+      <a:schemeClr val="lt1"/>
+    </dgm:linClrLst>
+    <dgm:effectClrLst/>
+    <dgm:txLinClrLst/>
+    <dgm:txFillClrLst/>
+    <dgm:txEffectClrLst/>
+  </dgm:styleLbl>
+  <dgm:styleLbl name="asst4">
+    <dgm:fillClrLst meth="repeat">
+      <a:schemeClr val="accent2"/>
+    </dgm:fillClrLst>
+    <dgm:linClrLst meth="repeat">
+      <a:schemeClr val="lt1"/>
+    </dgm:linClrLst>
+    <dgm:effectClrLst/>
+    <dgm:txLinClrLst/>
+    <dgm:txFillClrLst/>
+    <dgm:txEffectClrLst/>
+  </dgm:styleLbl>
+  <dgm:styleLbl name="parChTrans2D1">
+    <dgm:fillClrLst meth="repeat">
+      <a:schemeClr val="accent2">
+        <a:tint val="60000"/>
+      </a:schemeClr>
+    </dgm:fillClrLst>
+    <dgm:linClrLst meth="repeat">
+      <a:schemeClr val="accent2">
+        <a:tint val="60000"/>
+      </a:schemeClr>
+    </dgm:linClrLst>
+    <dgm:effectClrLst/>
+    <dgm:txLinClrLst/>
+    <dgm:txFillClrLst meth="repeat">
+      <a:schemeClr val="lt1"/>
+    </dgm:txFillClrLst>
+    <dgm:txEffectClrLst/>
+  </dgm:styleLbl>
+  <dgm:styleLbl name="parChTrans2D2">
+    <dgm:fillClrLst meth="repeat">
+      <a:schemeClr val="accent2"/>
+    </dgm:fillClrLst>
+    <dgm:linClrLst meth="repeat">
+      <a:schemeClr val="accent2"/>
+    </dgm:linClrLst>
+    <dgm:effectClrLst/>
+    <dgm:txLinClrLst/>
+    <dgm:txFillClrLst meth="repeat">
+      <a:schemeClr val="lt1"/>
+    </dgm:txFillClrLst>
+    <dgm:txEffectClrLst/>
+  </dgm:styleLbl>
+  <dgm:styleLbl name="parChTrans2D3">
+    <dgm:fillClrLst meth="repeat">
+      <a:schemeClr val="accent2"/>
+    </dgm:fillClrLst>
+    <dgm:linClrLst meth="repeat">
+      <a:schemeClr val="accent2"/>
+    </dgm:linClrLst>
+    <dgm:effectClrLst/>
+    <dgm:txLinClrLst/>
+    <dgm:txFillClrLst meth="repeat">
+      <a:schemeClr val="lt1"/>
+    </dgm:txFillClrLst>
+    <dgm:txEffectClrLst/>
+  </dgm:styleLbl>
+  <dgm:styleLbl name="parChTrans2D4">
+    <dgm:fillClrLst meth="repeat">
+      <a:schemeClr val="accent2"/>
+    </dgm:fillClrLst>
+    <dgm:linClrLst meth="repeat">
+      <a:schemeClr val="accent2"/>
+    </dgm:linClrLst>
+    <dgm:effectClrLst/>
+    <dgm:txLinClrLst/>
+    <dgm:txFillClrLst meth="repeat">
+      <a:schemeClr val="lt1"/>
+    </dgm:txFillClrLst>
+    <dgm:txEffectClrLst/>
+  </dgm:styleLbl>
+  <dgm:styleLbl name="parChTrans1D1">
+    <dgm:fillClrLst meth="repeat">
+      <a:schemeClr val="accent2"/>
+    </dgm:fillClrLst>
+    <dgm:linClrLst meth="repeat">
+      <a:schemeClr val="accent2">
+        <a:shade val="60000"/>
+      </a:schemeClr>
+    </dgm:linClrLst>
+    <dgm:effectClrLst/>
+    <dgm:txLinClrLst/>
+    <dgm:txFillClrLst meth="repeat">
+      <a:schemeClr val="tx1"/>
+    </dgm:txFillClrLst>
+    <dgm:txEffectClrLst/>
+  </dgm:styleLbl>
+  <dgm:styleLbl name="parChTrans1D2">
+    <dgm:fillClrLst meth="repeat">
+      <a:schemeClr val="accent2"/>
+    </dgm:fillClrLst>
+    <dgm:linClrLst meth="repeat">
+      <a:schemeClr val="accent2">
+        <a:shade val="60000"/>
+      </a:schemeClr>
+    </dgm:linClrLst>
+    <dgm:effectClrLst/>
+    <dgm:txLinClrLst/>
+    <dgm:txFillClrLst meth="repeat">
+      <a:schemeClr val="tx1"/>
+    </dgm:txFillClrLst>
+    <dgm:txEffectClrLst/>
+  </dgm:styleLbl>
+  <dgm:styleLbl name="parChTrans1D3">
+    <dgm:fillClrLst meth="repeat">
+      <a:schemeClr val="accent2"/>
+    </dgm:fillClrLst>
+    <dgm:linClrLst meth="repeat">
+      <a:schemeClr val="accent2">
+        <a:shade val="80000"/>
+      </a:schemeClr>
+    </dgm:linClrLst>
+    <dgm:effectClrLst/>
+    <dgm:txLinClrLst/>
+    <dgm:txFillClrLst meth="repeat">
+      <a:schemeClr val="tx1"/>
+    </dgm:txFillClrLst>
+    <dgm:txEffectClrLst/>
+  </dgm:styleLbl>
+  <dgm:styleLbl name="parChTrans1D4">
+    <dgm:fillClrLst meth="repeat">
+      <a:schemeClr val="accent2"/>
+    </dgm:fillClrLst>
+    <dgm:linClrLst meth="repeat">
+      <a:schemeClr val="accent2">
+        <a:shade val="80000"/>
+      </a:schemeClr>
+    </dgm:linClrLst>
+    <dgm:effectClrLst/>
+    <dgm:txLinClrLst/>
+    <dgm:txFillClrLst meth="repeat">
+      <a:schemeClr val="tx1"/>
+    </dgm:txFillClrLst>
+    <dgm:txEffectClrLst/>
+  </dgm:styleLbl>
+  <dgm:styleLbl name="fgAcc1">
+    <dgm:fillClrLst meth="repeat">
+      <a:schemeClr val="lt1">
+        <a:alpha val="90000"/>
+      </a:schemeClr>
+    </dgm:fillClrLst>
+    <dgm:linClrLst meth="repeat">
+      <a:schemeClr val="accent2"/>
+    </dgm:linClrLst>
+    <dgm:effectClrLst/>
+    <dgm:txLinClrLst/>
+    <dgm:txFillClrLst meth="repeat">
+      <a:schemeClr val="dk1"/>
+    </dgm:txFillClrLst>
+    <dgm:txEffectClrLst/>
+  </dgm:styleLbl>
+  <dgm:styleLbl name="conFgAcc1">
+    <dgm:fillClrLst meth="repeat">
+      <a:schemeClr val="lt1">
+        <a:alpha val="90000"/>
+      </a:schemeClr>
+    </dgm:fillClrLst>
+    <dgm:linClrLst meth="repeat">
+      <a:schemeClr val="accent2"/>
+    </dgm:linClrLst>
+    <dgm:effectClrLst/>
+    <dgm:txLinClrLst/>
+    <dgm:txFillClrLst meth="repeat">
+      <a:schemeClr val="dk1"/>
+    </dgm:txFillClrLst>
+    <dgm:txEffectClrLst/>
+  </dgm:styleLbl>
+  <dgm:styleLbl name="alignAcc1">
+    <dgm:fillClrLst meth="repeat">
+      <a:schemeClr val="lt1">
+        <a:alpha val="90000"/>
+      </a:schemeClr>
+    </dgm:fillClrLst>
+    <dgm:linClrLst meth="repeat">
+      <a:schemeClr val="accent2"/>
+    </dgm:linClrLst>
+    <dgm:effectClrLst/>
+    <dgm:txLinClrLst/>
+    <dgm:txFillClrLst meth="repeat">
+      <a:schemeClr val="dk1"/>
+    </dgm:txFillClrLst>
+    <dgm:txEffectClrLst/>
+  </dgm:styleLbl>
+  <dgm:styleLbl name="trAlignAcc1">
+    <dgm:fillClrLst meth="repeat">
+      <a:schemeClr val="lt1">
+        <a:alpha val="40000"/>
+      </a:schemeClr>
+    </dgm:fillClrLst>
+    <dgm:linClrLst meth="repeat">
+      <a:schemeClr val="accent2"/>
+    </dgm:linClrLst>
+    <dgm:effectClrLst/>
+    <dgm:txLinClrLst/>
+    <dgm:txFillClrLst meth="repeat">
+      <a:schemeClr val="dk1"/>
+    </dgm:txFillClrLst>
+    <dgm:txEffectClrLst/>
+  </dgm:styleLbl>
+  <dgm:styleLbl name="bgAcc1">
+    <dgm:fillClrLst meth="repeat">
+      <a:schemeClr val="lt1">
+        <a:alpha val="90000"/>
+      </a:schemeClr>
+    </dgm:fillClrLst>
+    <dgm:linClrLst meth="repeat">
+      <a:schemeClr val="accent2"/>
+    </dgm:linClrLst>
+    <dgm:effectClrLst/>
+    <dgm:txLinClrLst/>
+    <dgm:txFillClrLst meth="repeat">
+      <a:schemeClr val="dk1"/>
+    </dgm:txFillClrLst>
+    <dgm:txEffectClrLst/>
+  </dgm:styleLbl>
+  <dgm:styleLbl name="solidFgAcc1">
+    <dgm:fillClrLst meth="repeat">
+      <a:schemeClr val="lt1"/>
+    </dgm:fillClrLst>
+    <dgm:linClrLst meth="repeat">
+      <a:schemeClr val="accent2"/>
+    </dgm:linClrLst>
+    <dgm:effectClrLst/>
+    <dgm:txLinClrLst/>
+    <dgm:txFillClrLst meth="repeat">
+      <a:schemeClr val="dk1"/>
+    </dgm:txFillClrLst>
+    <dgm:txEffectClrLst/>
+  </dgm:styleLbl>
+  <dgm:styleLbl name="solidAlignAcc1">
+    <dgm:fillClrLst meth="repeat">
+      <a:schemeClr val="lt1"/>
+    </dgm:fillClrLst>
+    <dgm:linClrLst meth="repeat">
+      <a:schemeClr val="accent2"/>
+    </dgm:linClrLst>
+    <dgm:effectClrLst/>
+    <dgm:txLinClrLst/>
+    <dgm:txFillClrLst meth="repeat">
+      <a:schemeClr val="dk1"/>
+    </dgm:txFillClrLst>
+    <dgm:txEffectClrLst/>
+  </dgm:styleLbl>
+  <dgm:styleLbl name="solidBgAcc1">
+    <dgm:fillClrLst meth="repeat">
+      <a:schemeClr val="lt1"/>
+    </dgm:fillClrLst>
+    <dgm:linClrLst meth="repeat">
+      <a:schemeClr val="accent2"/>
+    </dgm:linClrLst>
+    <dgm:effectClrLst/>
+    <dgm:txLinClrLst/>
+    <dgm:txFillClrLst meth="repeat">
+      <a:schemeClr val="dk1"/>
+    </dgm:txFillClrLst>
+    <dgm:txEffectClrLst/>
+  </dgm:styleLbl>
+  <dgm:styleLbl name="fgAccFollowNode1">
+    <dgm:fillClrLst meth="repeat">
+      <a:schemeClr val="accent2">
+        <a:alpha val="90000"/>
+        <a:tint val="40000"/>
+      </a:schemeClr>
+    </dgm:fillClrLst>
+    <dgm:linClrLst meth="repeat">
+      <a:schemeClr val="accent2">
+        <a:alpha val="90000"/>
+        <a:tint val="40000"/>
+      </a:schemeClr>
+    </dgm:linClrLst>
+    <dgm:effectClrLst/>
+    <dgm:txLinClrLst/>
+    <dgm:txFillClrLst meth="repeat">
+      <a:schemeClr val="dk1"/>
+    </dgm:txFillClrLst>
+    <dgm:txEffectClrLst/>
+  </dgm:styleLbl>
+  <dgm:styleLbl name="alignAccFollowNode1">
+    <dgm:fillClrLst meth="repeat">
+      <a:schemeClr val="accent2">
+        <a:alpha val="90000"/>
+        <a:tint val="40000"/>
+      </a:schemeClr>
+    </dgm:fillClrLst>
+    <dgm:linClrLst meth="repeat">
+      <a:schemeClr val="accent2">
+        <a:alpha val="90000"/>
+        <a:tint val="40000"/>
+      </a:schemeClr>
+    </dgm:linClrLst>
+    <dgm:effectClrLst/>
+    <dgm:txLinClrLst/>
+    <dgm:txFillClrLst meth="repeat">
+      <a:schemeClr val="dk1"/>
+    </dgm:txFillClrLst>
+    <dgm:txEffectClrLst/>
+  </dgm:styleLbl>
+  <dgm:styleLbl name="bgAccFollowNode1">
+    <dgm:fillClrLst meth="repeat">
+      <a:schemeClr val="accent2">
+        <a:alpha val="90000"/>
+        <a:tint val="40000"/>
+      </a:schemeClr>
+    </dgm:fillClrLst>
+    <dgm:linClrLst meth="repeat">
+      <a:schemeClr val="accent2">
+        <a:alpha val="90000"/>
+        <a:tint val="40000"/>
+      </a:schemeClr>
+    </dgm:linClrLst>
+    <dgm:effectClrLst/>
+    <dgm:txLinClrLst/>
+    <dgm:txFillClrLst meth="repeat">
+      <a:schemeClr val="dk1"/>
+    </dgm:txFillClrLst>
+    <dgm:txEffectClrLst/>
+  </dgm:styleLbl>
+  <dgm:styleLbl name="fgAcc0">
+    <dgm:fillClrLst meth="repeat">
+      <a:schemeClr val="lt1">
+        <a:alpha val="90000"/>
+      </a:schemeClr>
+    </dgm:fillClrLst>
+    <dgm:linClrLst meth="repeat">
+      <a:schemeClr val="accent2"/>
+    </dgm:linClrLst>
+    <dgm:effectClrLst/>
+    <dgm:txLinClrLst/>
+    <dgm:txFillClrLst meth="repeat">
+      <a:schemeClr val="dk1"/>
+    </dgm:txFillClrLst>
+    <dgm:txEffectClrLst/>
+  </dgm:styleLbl>
+  <dgm:styleLbl name="fgAcc2">
+    <dgm:fillClrLst meth="repeat">
+      <a:schemeClr val="lt1">
+        <a:alpha val="90000"/>
+      </a:schemeClr>
+    </dgm:fillClrLst>
+    <dgm:linClrLst meth="repeat">
+      <a:schemeClr val="accent2"/>
+    </dgm:linClrLst>
+    <dgm:effectClrLst/>
+    <dgm:txLinClrLst/>
+    <dgm:txFillClrLst meth="repeat">
+      <a:schemeClr val="dk1"/>
+    </dgm:txFillClrLst>
+    <dgm:txEffectClrLst/>
+  </dgm:styleLbl>
+  <dgm:styleLbl name="fgAcc3">
+    <dgm:fillClrLst meth="repeat">
+      <a:schemeClr val="lt1">
+        <a:alpha val="90000"/>
+      </a:schemeClr>
+    </dgm:fillClrLst>
+    <dgm:linClrLst meth="repeat">
+      <a:schemeClr val="accent2"/>
+    </dgm:linClrLst>
+    <dgm:effectClrLst/>
+    <dgm:txLinClrLst/>
+    <dgm:txFillClrLst meth="repeat">
+      <a:schemeClr val="dk1"/>
+    </dgm:txFillClrLst>
+    <dgm:txEffectClrLst/>
+  </dgm:styleLbl>
+  <dgm:styleLbl name="fgAcc4">
+    <dgm:fillClrLst meth="repeat">
+      <a:schemeClr val="lt1">
+        <a:alpha val="90000"/>
+      </a:schemeClr>
+    </dgm:fillClrLst>
+    <dgm:linClrLst meth="repeat">
+      <a:schemeClr val="accent2"/>
+    </dgm:linClrLst>
+    <dgm:effectClrLst/>
+    <dgm:txLinClrLst/>
+    <dgm:txFillClrLst meth="repeat">
+      <a:schemeClr val="dk1"/>
+    </dgm:txFillClrLst>
+    <dgm:txEffectClrLst/>
+  </dgm:styleLbl>
+  <dgm:styleLbl name="bgShp">
+    <dgm:fillClrLst meth="repeat">
+      <a:schemeClr val="accent2">
+        <a:tint val="40000"/>
+      </a:schemeClr>
+    </dgm:fillClrLst>
+    <dgm:linClrLst meth="repeat">
+      <a:schemeClr val="accent2"/>
+    </dgm:linClrLst>
+    <dgm:effectClrLst/>
+    <dgm:txLinClrLst/>
+    <dgm:txFillClrLst meth="repeat">
+      <a:schemeClr val="dk1"/>
+    </dgm:txFillClrLst>
+    <dgm:txEffectClrLst/>
+  </dgm:styleLbl>
+  <dgm:styleLbl name="dkBgShp">
+    <dgm:fillClrLst meth="repeat">
+      <a:schemeClr val="accent2">
+        <a:shade val="80000"/>
+      </a:schemeClr>
+    </dgm:fillClrLst>
+    <dgm:linClrLst meth="repeat">
+      <a:schemeClr val="accent2"/>
+    </dgm:linClrLst>
+    <dgm:effectClrLst/>
+    <dgm:txLinClrLst/>
+    <dgm:txFillClrLst meth="repeat">
+      <a:schemeClr val="lt1"/>
+    </dgm:txFillClrLst>
+    <dgm:txEffectClrLst/>
+  </dgm:styleLbl>
+  <dgm:styleLbl name="trBgShp">
+    <dgm:fillClrLst meth="repeat">
+      <a:schemeClr val="accent2">
+        <a:tint val="50000"/>
+        <a:alpha val="40000"/>
+      </a:schemeClr>
+    </dgm:fillClrLst>
+    <dgm:linClrLst meth="repeat">
+      <a:schemeClr val="accent2"/>
+    </dgm:linClrLst>
+    <dgm:effectClrLst/>
+    <dgm:txLinClrLst/>
+    <dgm:txFillClrLst meth="repeat">
+      <a:schemeClr val="lt1"/>
+    </dgm:txFillClrLst>
+    <dgm:txEffectClrLst/>
+  </dgm:styleLbl>
+  <dgm:styleLbl name="fgShp">
+    <dgm:fillClrLst meth="repeat">
+      <a:schemeClr val="accent2">
+        <a:tint val="60000"/>
+      </a:schemeClr>
+    </dgm:fillClrLst>
+    <dgm:linClrLst meth="repeat">
+      <a:schemeClr val="lt1"/>
+    </dgm:linClrLst>
+    <dgm:effectClrLst/>
+    <dgm:txLinClrLst/>
+    <dgm:txFillClrLst meth="repeat">
+      <a:schemeClr val="dk1"/>
+    </dgm:txFillClrLst>
+    <dgm:txEffectClrLst/>
+  </dgm:styleLbl>
+  <dgm:styleLbl name="revTx">
+    <dgm:fillClrLst meth="repeat">
+      <a:schemeClr val="lt1">
+        <a:alpha val="0"/>
+      </a:schemeClr>
+    </dgm:fillClrLst>
+    <dgm:linClrLst meth="repeat">
+      <a:schemeClr val="dk1">
+        <a:alpha val="0"/>
+      </a:schemeClr>
+    </dgm:linClrLst>
+    <dgm:effectClrLst/>
+    <dgm:txLinClrLst/>
+    <dgm:txFillClrLst meth="repeat">
+      <a:schemeClr val="tx1"/>
+    </dgm:txFillClrLst>
+    <dgm:txEffectClrLst/>
+  </dgm:styleLbl>
+</dgm:colorsDef>
+</file>
+
+<file path=ppt/diagrams/data1.xml><?xml version="1.0" encoding="utf-8"?>
+<dgm:dataModel xmlns:dgm="http://schemas.openxmlformats.org/drawingml/2006/diagram" xmlns:a="http://schemas.openxmlformats.org/drawingml/2006/main">
+  <dgm:ptLst>
+    <dgm:pt modelId="{7B98437C-8EB3-4356-A82A-303FF88273E9}" type="doc">
+      <dgm:prSet loTypeId="urn:microsoft.com/office/officeart/2018/2/layout/IconVerticalSolidList" loCatId="icon" qsTypeId="urn:microsoft.com/office/officeart/2005/8/quickstyle/simple1" qsCatId="simple" csTypeId="urn:microsoft.com/office/officeart/2005/8/colors/accent2_2" csCatId="accent2" phldr="1"/>
+      <dgm:spPr/>
+      <dgm:t>
+        <a:bodyPr/>
+        <a:lstStyle/>
+        <a:p>
+          <a:endParaRPr lang="en-US"/>
+        </a:p>
+      </dgm:t>
+    </dgm:pt>
+    <dgm:pt modelId="{8158A9E0-3AB2-4E53-8D7F-3021D7D98EB4}">
+      <dgm:prSet/>
+      <dgm:spPr/>
+      <dgm:t>
+        <a:bodyPr/>
+        <a:lstStyle/>
+        <a:p>
+          <a:r>
+            <a:rPr lang="de-DE" b="1" dirty="0"/>
+            <a:t>1. Aufgabenstellung</a:t>
+          </a:r>
+          <a:endParaRPr lang="en-US" dirty="0"/>
+        </a:p>
+      </dgm:t>
+    </dgm:pt>
+    <dgm:pt modelId="{362D423A-0F24-4CC2-9AAD-985EFEAA4C62}" type="parTrans" cxnId="{1554015A-CF1C-480A-AB65-5A6C54A07078}">
+      <dgm:prSet/>
+      <dgm:spPr/>
+      <dgm:t>
+        <a:bodyPr/>
+        <a:lstStyle/>
+        <a:p>
+          <a:endParaRPr lang="en-US"/>
+        </a:p>
+      </dgm:t>
+    </dgm:pt>
+    <dgm:pt modelId="{12926104-6CBE-4EBC-9255-3523CA2663BA}" type="sibTrans" cxnId="{1554015A-CF1C-480A-AB65-5A6C54A07078}">
+      <dgm:prSet/>
+      <dgm:spPr/>
+      <dgm:t>
+        <a:bodyPr/>
+        <a:lstStyle/>
+        <a:p>
+          <a:endParaRPr lang="en-US"/>
+        </a:p>
+      </dgm:t>
+    </dgm:pt>
+    <dgm:pt modelId="{F48F9035-B44F-40C2-A016-439358BD8E27}">
+      <dgm:prSet/>
+      <dgm:spPr/>
+      <dgm:t>
+        <a:bodyPr/>
+        <a:lstStyle/>
+        <a:p>
+          <a:r>
+            <a:rPr lang="de-DE" b="1" dirty="0"/>
+            <a:t>2. Konzept</a:t>
+          </a:r>
+          <a:endParaRPr lang="en-US" dirty="0"/>
+        </a:p>
+      </dgm:t>
+    </dgm:pt>
+    <dgm:pt modelId="{1CD24D02-DBF8-4796-A4B8-7FA9B1D7D69C}" type="parTrans" cxnId="{AAD4CCA3-3D6D-4A8D-A716-95595AD06FCB}">
+      <dgm:prSet/>
+      <dgm:spPr/>
+      <dgm:t>
+        <a:bodyPr/>
+        <a:lstStyle/>
+        <a:p>
+          <a:endParaRPr lang="en-US"/>
+        </a:p>
+      </dgm:t>
+    </dgm:pt>
+    <dgm:pt modelId="{9FE8D518-3226-4060-9557-6F4282B8A25E}" type="sibTrans" cxnId="{AAD4CCA3-3D6D-4A8D-A716-95595AD06FCB}">
+      <dgm:prSet/>
+      <dgm:spPr/>
+      <dgm:t>
+        <a:bodyPr/>
+        <a:lstStyle/>
+        <a:p>
+          <a:endParaRPr lang="en-US"/>
+        </a:p>
+      </dgm:t>
+    </dgm:pt>
+    <dgm:pt modelId="{0E4DE93A-3365-4D45-90E6-A300EA8621D4}">
+      <dgm:prSet/>
+      <dgm:spPr/>
+      <dgm:t>
+        <a:bodyPr/>
+        <a:lstStyle/>
+        <a:p>
+          <a:r>
+            <a:rPr lang="de-DE" b="1" dirty="0"/>
+            <a:t>3. Implementation</a:t>
+          </a:r>
+          <a:endParaRPr lang="en-US" dirty="0"/>
+        </a:p>
+      </dgm:t>
+    </dgm:pt>
+    <dgm:pt modelId="{B53064DE-97B3-49EB-9BE0-D8EBCCBD3176}" type="parTrans" cxnId="{7C6F484B-F378-4309-914D-2B3D87328497}">
+      <dgm:prSet/>
+      <dgm:spPr/>
+      <dgm:t>
+        <a:bodyPr/>
+        <a:lstStyle/>
+        <a:p>
+          <a:endParaRPr lang="en-US"/>
+        </a:p>
+      </dgm:t>
+    </dgm:pt>
+    <dgm:pt modelId="{CF5E5F40-06B7-4279-A802-1C94AAB0CEB1}" type="sibTrans" cxnId="{7C6F484B-F378-4309-914D-2B3D87328497}">
+      <dgm:prSet/>
+      <dgm:spPr/>
+      <dgm:t>
+        <a:bodyPr/>
+        <a:lstStyle/>
+        <a:p>
+          <a:endParaRPr lang="en-US"/>
+        </a:p>
+      </dgm:t>
+    </dgm:pt>
+    <dgm:pt modelId="{91649BB7-A4EC-4356-BF42-0C5AEE0B40F6}">
+      <dgm:prSet/>
+      <dgm:spPr/>
+      <dgm:t>
+        <a:bodyPr/>
+        <a:lstStyle/>
+        <a:p>
+          <a:r>
+            <a:rPr lang="de-DE" b="1" dirty="0"/>
+            <a:t>4. Diskussion</a:t>
+          </a:r>
+          <a:endParaRPr lang="en-US" dirty="0"/>
+        </a:p>
+      </dgm:t>
+    </dgm:pt>
+    <dgm:pt modelId="{78D85A2D-A049-46CB-9576-2DACA7CCA531}" type="parTrans" cxnId="{FF5208F3-ED52-4E1E-A419-29EC7997522B}">
+      <dgm:prSet/>
+      <dgm:spPr/>
+      <dgm:t>
+        <a:bodyPr/>
+        <a:lstStyle/>
+        <a:p>
+          <a:endParaRPr lang="en-US"/>
+        </a:p>
+      </dgm:t>
+    </dgm:pt>
+    <dgm:pt modelId="{21400141-CE69-46B2-911A-EB9928F3F5AC}" type="sibTrans" cxnId="{FF5208F3-ED52-4E1E-A419-29EC7997522B}">
+      <dgm:prSet/>
+      <dgm:spPr/>
+      <dgm:t>
+        <a:bodyPr/>
+        <a:lstStyle/>
+        <a:p>
+          <a:endParaRPr lang="en-US"/>
+        </a:p>
+      </dgm:t>
+    </dgm:pt>
+    <dgm:pt modelId="{BD1FD959-2A5C-4E91-A474-3EB4437883A5}">
+      <dgm:prSet/>
+      <dgm:spPr/>
+      <dgm:t>
+        <a:bodyPr/>
+        <a:lstStyle/>
+        <a:p>
+          <a:r>
+            <a:rPr lang="de-DE" b="1" dirty="0"/>
+            <a:t>5. Vorstellung</a:t>
+          </a:r>
+          <a:endParaRPr lang="en-US" dirty="0"/>
+        </a:p>
+      </dgm:t>
+    </dgm:pt>
+    <dgm:pt modelId="{941F1732-5FF5-4FDD-B405-6BDE7D1174F9}" type="parTrans" cxnId="{2207A891-2579-4325-94F7-469D99856E4C}">
+      <dgm:prSet/>
+      <dgm:spPr/>
+      <dgm:t>
+        <a:bodyPr/>
+        <a:lstStyle/>
+        <a:p>
+          <a:endParaRPr lang="en-US"/>
+        </a:p>
+      </dgm:t>
+    </dgm:pt>
+    <dgm:pt modelId="{7822088C-37D3-4509-98A8-39A3CBE524BC}" type="sibTrans" cxnId="{2207A891-2579-4325-94F7-469D99856E4C}">
+      <dgm:prSet/>
+      <dgm:spPr/>
+      <dgm:t>
+        <a:bodyPr/>
+        <a:lstStyle/>
+        <a:p>
+          <a:endParaRPr lang="en-US"/>
+        </a:p>
+      </dgm:t>
+    </dgm:pt>
+    <dgm:pt modelId="{1EDFED92-4E58-48EA-B6D1-95DD7FD64EB1}" type="pres">
+      <dgm:prSet presAssocID="{7B98437C-8EB3-4356-A82A-303FF88273E9}" presName="root" presStyleCnt="0">
+        <dgm:presLayoutVars>
+          <dgm:dir/>
+          <dgm:resizeHandles val="exact"/>
+        </dgm:presLayoutVars>
+      </dgm:prSet>
+      <dgm:spPr/>
+    </dgm:pt>
+    <dgm:pt modelId="{4AA629B2-21CF-4B14-AB67-2FA1AB8AC017}" type="pres">
+      <dgm:prSet presAssocID="{8158A9E0-3AB2-4E53-8D7F-3021D7D98EB4}" presName="compNode" presStyleCnt="0"/>
+      <dgm:spPr/>
+    </dgm:pt>
+    <dgm:pt modelId="{7C3942A4-B2C3-48FA-8842-9C9FCCBF092F}" type="pres">
+      <dgm:prSet presAssocID="{8158A9E0-3AB2-4E53-8D7F-3021D7D98EB4}" presName="bgRect" presStyleLbl="bgShp" presStyleIdx="0" presStyleCnt="5"/>
+      <dgm:spPr/>
+    </dgm:pt>
+    <dgm:pt modelId="{0DE34BB9-57F7-4E38-87FD-7B5208966DB0}" type="pres">
+      <dgm:prSet presAssocID="{8158A9E0-3AB2-4E53-8D7F-3021D7D98EB4}" presName="iconRect" presStyleLbl="node1" presStyleIdx="0" presStyleCnt="5"/>
+      <dgm:spPr>
+        <a:blipFill>
+          <a:blip xmlns:r="http://schemas.openxmlformats.org/officeDocument/2006/relationships" r:embed="rId1">
+            <a:extLst>
+              <a:ext uri="{28A0092B-C50C-407E-A947-70E740481C1C}">
+                <a14:useLocalDpi xmlns:a14="http://schemas.microsoft.com/office/drawing/2010/main" val="0"/>
+              </a:ext>
+              <a:ext uri="{96DAC541-7B7A-43D3-8B79-37D633B846F1}">
+                <asvg:svgBlip xmlns:asvg="http://schemas.microsoft.com/office/drawing/2016/SVG/main" r:embed="rId2"/>
+              </a:ext>
+            </a:extLst>
+          </a:blip>
+          <a:stretch>
+            <a:fillRect/>
+          </a:stretch>
+        </a:blipFill>
+        <a:ln>
+          <a:noFill/>
+        </a:ln>
+      </dgm:spPr>
+      <dgm:extLst>
+        <a:ext uri="{E40237B7-FDA0-4F09-8148-C483321AD2D9}">
+          <dgm14:cNvPr xmlns:dgm14="http://schemas.microsoft.com/office/drawing/2010/diagram" id="0" name="" descr="Prüfliste"/>
+        </a:ext>
+      </dgm:extLst>
+    </dgm:pt>
+    <dgm:pt modelId="{270D0465-3E22-49D8-B747-480A49690246}" type="pres">
+      <dgm:prSet presAssocID="{8158A9E0-3AB2-4E53-8D7F-3021D7D98EB4}" presName="spaceRect" presStyleCnt="0"/>
+      <dgm:spPr/>
+    </dgm:pt>
+    <dgm:pt modelId="{2CE1951C-B8F9-494F-B4F9-9F693E97C40B}" type="pres">
+      <dgm:prSet presAssocID="{8158A9E0-3AB2-4E53-8D7F-3021D7D98EB4}" presName="parTx" presStyleLbl="revTx" presStyleIdx="0" presStyleCnt="5">
+        <dgm:presLayoutVars>
+          <dgm:chMax val="0"/>
+          <dgm:chPref val="0"/>
+        </dgm:presLayoutVars>
+      </dgm:prSet>
+      <dgm:spPr/>
+    </dgm:pt>
+    <dgm:pt modelId="{9F75B00E-DA45-43AC-A214-CF18CCDC80BF}" type="pres">
+      <dgm:prSet presAssocID="{12926104-6CBE-4EBC-9255-3523CA2663BA}" presName="sibTrans" presStyleCnt="0"/>
+      <dgm:spPr/>
+    </dgm:pt>
+    <dgm:pt modelId="{FC8859C3-2108-40AA-B2EB-F52DDC1FC7D0}" type="pres">
+      <dgm:prSet presAssocID="{F48F9035-B44F-40C2-A016-439358BD8E27}" presName="compNode" presStyleCnt="0"/>
+      <dgm:spPr/>
+    </dgm:pt>
+    <dgm:pt modelId="{C0486724-C6EC-4BE4-A147-705572917002}" type="pres">
+      <dgm:prSet presAssocID="{F48F9035-B44F-40C2-A016-439358BD8E27}" presName="bgRect" presStyleLbl="bgShp" presStyleIdx="1" presStyleCnt="5"/>
+      <dgm:spPr/>
+    </dgm:pt>
+    <dgm:pt modelId="{88008395-B1A7-4021-BD6A-213FE417D68E}" type="pres">
+      <dgm:prSet presAssocID="{F48F9035-B44F-40C2-A016-439358BD8E27}" presName="iconRect" presStyleLbl="node1" presStyleIdx="1" presStyleCnt="5"/>
+      <dgm:spPr>
+        <a:blipFill>
+          <a:blip xmlns:r="http://schemas.openxmlformats.org/officeDocument/2006/relationships" r:embed="rId3">
+            <a:extLst>
+              <a:ext uri="{28A0092B-C50C-407E-A947-70E740481C1C}">
+                <a14:useLocalDpi xmlns:a14="http://schemas.microsoft.com/office/drawing/2010/main" val="0"/>
+              </a:ext>
+              <a:ext uri="{96DAC541-7B7A-43D3-8B79-37D633B846F1}">
+                <asvg:svgBlip xmlns:asvg="http://schemas.microsoft.com/office/drawing/2016/SVG/main" r:embed="rId4"/>
+              </a:ext>
+            </a:extLst>
+          </a:blip>
+          <a:stretch>
+            <a:fillRect/>
+          </a:stretch>
+        </a:blipFill>
+        <a:ln>
+          <a:noFill/>
+        </a:ln>
+      </dgm:spPr>
+      <dgm:extLst>
+        <a:ext uri="{E40237B7-FDA0-4F09-8148-C483321AD2D9}">
+          <dgm14:cNvPr xmlns:dgm14="http://schemas.microsoft.com/office/drawing/2010/diagram" id="0" name="" descr="Head with Gears"/>
+        </a:ext>
+      </dgm:extLst>
+    </dgm:pt>
+    <dgm:pt modelId="{4832E6EE-7426-4D30-9A9A-27411A9A3E09}" type="pres">
+      <dgm:prSet presAssocID="{F48F9035-B44F-40C2-A016-439358BD8E27}" presName="spaceRect" presStyleCnt="0"/>
+      <dgm:spPr/>
+    </dgm:pt>
+    <dgm:pt modelId="{84985780-CC60-45FD-9E73-2DC37A94762E}" type="pres">
+      <dgm:prSet presAssocID="{F48F9035-B44F-40C2-A016-439358BD8E27}" presName="parTx" presStyleLbl="revTx" presStyleIdx="1" presStyleCnt="5">
+        <dgm:presLayoutVars>
+          <dgm:chMax val="0"/>
+          <dgm:chPref val="0"/>
+        </dgm:presLayoutVars>
+      </dgm:prSet>
+      <dgm:spPr/>
+    </dgm:pt>
+    <dgm:pt modelId="{634A88C6-D75B-4C3E-9522-2D2953AD7855}" type="pres">
+      <dgm:prSet presAssocID="{9FE8D518-3226-4060-9557-6F4282B8A25E}" presName="sibTrans" presStyleCnt="0"/>
+      <dgm:spPr/>
+    </dgm:pt>
+    <dgm:pt modelId="{75C7BD84-D9E7-4A84-A6B0-C673880394BD}" type="pres">
+      <dgm:prSet presAssocID="{0E4DE93A-3365-4D45-90E6-A300EA8621D4}" presName="compNode" presStyleCnt="0"/>
+      <dgm:spPr/>
+    </dgm:pt>
+    <dgm:pt modelId="{31D36BE9-DD82-4BBE-BF05-E8F701C0099C}" type="pres">
+      <dgm:prSet presAssocID="{0E4DE93A-3365-4D45-90E6-A300EA8621D4}" presName="bgRect" presStyleLbl="bgShp" presStyleIdx="2" presStyleCnt="5"/>
+      <dgm:spPr/>
+    </dgm:pt>
+    <dgm:pt modelId="{0C2FDDE7-097F-47D2-80CE-504089885D61}" type="pres">
+      <dgm:prSet presAssocID="{0E4DE93A-3365-4D45-90E6-A300EA8621D4}" presName="iconRect" presStyleLbl="node1" presStyleIdx="2" presStyleCnt="5"/>
+      <dgm:spPr>
+        <a:blipFill>
+          <a:blip xmlns:r="http://schemas.openxmlformats.org/officeDocument/2006/relationships" r:embed="rId5">
+            <a:extLst>
+              <a:ext uri="{28A0092B-C50C-407E-A947-70E740481C1C}">
+                <a14:useLocalDpi xmlns:a14="http://schemas.microsoft.com/office/drawing/2010/main" val="0"/>
+              </a:ext>
+              <a:ext uri="{96DAC541-7B7A-43D3-8B79-37D633B846F1}">
+                <asvg:svgBlip xmlns:asvg="http://schemas.microsoft.com/office/drawing/2016/SVG/main" r:embed="rId6"/>
+              </a:ext>
+            </a:extLst>
+          </a:blip>
+          <a:stretch>
+            <a:fillRect/>
+          </a:stretch>
+        </a:blipFill>
+        <a:ln>
+          <a:noFill/>
+        </a:ln>
+      </dgm:spPr>
+      <dgm:extLst>
+        <a:ext uri="{E40237B7-FDA0-4F09-8148-C483321AD2D9}">
+          <dgm14:cNvPr xmlns:dgm14="http://schemas.microsoft.com/office/drawing/2010/diagram" id="0" name="" descr="Arrow Circle"/>
+        </a:ext>
+      </dgm:extLst>
+    </dgm:pt>
+    <dgm:pt modelId="{43A297F0-00A2-44CA-9F96-6E7BFDDBC750}" type="pres">
+      <dgm:prSet presAssocID="{0E4DE93A-3365-4D45-90E6-A300EA8621D4}" presName="spaceRect" presStyleCnt="0"/>
+      <dgm:spPr/>
+    </dgm:pt>
+    <dgm:pt modelId="{E9C6681C-0BA5-4571-B04D-32A7E8318CC2}" type="pres">
+      <dgm:prSet presAssocID="{0E4DE93A-3365-4D45-90E6-A300EA8621D4}" presName="parTx" presStyleLbl="revTx" presStyleIdx="2" presStyleCnt="5">
+        <dgm:presLayoutVars>
+          <dgm:chMax val="0"/>
+          <dgm:chPref val="0"/>
+        </dgm:presLayoutVars>
+      </dgm:prSet>
+      <dgm:spPr/>
+    </dgm:pt>
+    <dgm:pt modelId="{C20388A4-15DE-4F36-8125-30F4EBCEBEAA}" type="pres">
+      <dgm:prSet presAssocID="{CF5E5F40-06B7-4279-A802-1C94AAB0CEB1}" presName="sibTrans" presStyleCnt="0"/>
+      <dgm:spPr/>
+    </dgm:pt>
+    <dgm:pt modelId="{CFCE7119-D77A-4003-B98E-64B9D519860A}" type="pres">
+      <dgm:prSet presAssocID="{91649BB7-A4EC-4356-BF42-0C5AEE0B40F6}" presName="compNode" presStyleCnt="0"/>
+      <dgm:spPr/>
+    </dgm:pt>
+    <dgm:pt modelId="{55E0C264-55A6-4581-8E6A-7B5405BF07F5}" type="pres">
+      <dgm:prSet presAssocID="{91649BB7-A4EC-4356-BF42-0C5AEE0B40F6}" presName="bgRect" presStyleLbl="bgShp" presStyleIdx="3" presStyleCnt="5"/>
+      <dgm:spPr/>
+    </dgm:pt>
+    <dgm:pt modelId="{2A4001D9-F44F-40E4-A8B3-3298C57A3848}" type="pres">
+      <dgm:prSet presAssocID="{91649BB7-A4EC-4356-BF42-0C5AEE0B40F6}" presName="iconRect" presStyleLbl="node1" presStyleIdx="3" presStyleCnt="5"/>
+      <dgm:spPr>
+        <a:blipFill>
+          <a:blip xmlns:r="http://schemas.openxmlformats.org/officeDocument/2006/relationships" r:embed="rId7">
+            <a:extLst>
+              <a:ext uri="{28A0092B-C50C-407E-A947-70E740481C1C}">
+                <a14:useLocalDpi xmlns:a14="http://schemas.microsoft.com/office/drawing/2010/main" val="0"/>
+              </a:ext>
+              <a:ext uri="{96DAC541-7B7A-43D3-8B79-37D633B846F1}">
+                <asvg:svgBlip xmlns:asvg="http://schemas.microsoft.com/office/drawing/2016/SVG/main" r:embed="rId8"/>
+              </a:ext>
+            </a:extLst>
+          </a:blip>
+          <a:stretch>
+            <a:fillRect/>
+          </a:stretch>
+        </a:blipFill>
+        <a:ln>
+          <a:noFill/>
+        </a:ln>
+      </dgm:spPr>
+      <dgm:extLst>
+        <a:ext uri="{E40237B7-FDA0-4F09-8148-C483321AD2D9}">
+          <dgm14:cNvPr xmlns:dgm14="http://schemas.microsoft.com/office/drawing/2010/diagram" id="0" name="" descr="Chat"/>
+        </a:ext>
+      </dgm:extLst>
+    </dgm:pt>
+    <dgm:pt modelId="{169B23AE-1120-40A1-96FB-053DDB9CF55D}" type="pres">
+      <dgm:prSet presAssocID="{91649BB7-A4EC-4356-BF42-0C5AEE0B40F6}" presName="spaceRect" presStyleCnt="0"/>
+      <dgm:spPr/>
+    </dgm:pt>
+    <dgm:pt modelId="{33391838-39C7-47B9-9F71-E78F86936F58}" type="pres">
+      <dgm:prSet presAssocID="{91649BB7-A4EC-4356-BF42-0C5AEE0B40F6}" presName="parTx" presStyleLbl="revTx" presStyleIdx="3" presStyleCnt="5">
+        <dgm:presLayoutVars>
+          <dgm:chMax val="0"/>
+          <dgm:chPref val="0"/>
+        </dgm:presLayoutVars>
+      </dgm:prSet>
+      <dgm:spPr/>
+    </dgm:pt>
+    <dgm:pt modelId="{D87B3BD6-5FD3-41A3-806C-367FDAE4D0B4}" type="pres">
+      <dgm:prSet presAssocID="{21400141-CE69-46B2-911A-EB9928F3F5AC}" presName="sibTrans" presStyleCnt="0"/>
+      <dgm:spPr/>
+    </dgm:pt>
+    <dgm:pt modelId="{1ECF22D1-B71E-4AD6-94DC-8D7FD67EC6DE}" type="pres">
+      <dgm:prSet presAssocID="{BD1FD959-2A5C-4E91-A474-3EB4437883A5}" presName="compNode" presStyleCnt="0"/>
+      <dgm:spPr/>
+    </dgm:pt>
+    <dgm:pt modelId="{26662501-6ED9-486F-B7C8-B3B75ED509F9}" type="pres">
+      <dgm:prSet presAssocID="{BD1FD959-2A5C-4E91-A474-3EB4437883A5}" presName="bgRect" presStyleLbl="bgShp" presStyleIdx="4" presStyleCnt="5"/>
+      <dgm:spPr/>
+    </dgm:pt>
+    <dgm:pt modelId="{658C3F59-FDED-4745-A1CD-6292D065ED5C}" type="pres">
+      <dgm:prSet presAssocID="{BD1FD959-2A5C-4E91-A474-3EB4437883A5}" presName="iconRect" presStyleLbl="node1" presStyleIdx="4" presStyleCnt="5"/>
+      <dgm:spPr>
+        <a:blipFill>
+          <a:blip xmlns:r="http://schemas.openxmlformats.org/officeDocument/2006/relationships" r:embed="rId9">
+            <a:extLst>
+              <a:ext uri="{28A0092B-C50C-407E-A947-70E740481C1C}">
+                <a14:useLocalDpi xmlns:a14="http://schemas.microsoft.com/office/drawing/2010/main" val="0"/>
+              </a:ext>
+              <a:ext uri="{96DAC541-7B7A-43D3-8B79-37D633B846F1}">
+                <asvg:svgBlip xmlns:asvg="http://schemas.microsoft.com/office/drawing/2016/SVG/main" r:embed="rId10"/>
+              </a:ext>
+            </a:extLst>
+          </a:blip>
+          <a:stretch>
+            <a:fillRect/>
+          </a:stretch>
+        </a:blipFill>
+        <a:ln>
+          <a:noFill/>
+        </a:ln>
+      </dgm:spPr>
+      <dgm:extLst>
+        <a:ext uri="{E40237B7-FDA0-4F09-8148-C483321AD2D9}">
+          <dgm14:cNvPr xmlns:dgm14="http://schemas.microsoft.com/office/drawing/2010/diagram" id="0" name="" descr="Glühlampe"/>
+        </a:ext>
+      </dgm:extLst>
+    </dgm:pt>
+    <dgm:pt modelId="{A0F4E686-CC7A-4C99-9EB7-851487307214}" type="pres">
+      <dgm:prSet presAssocID="{BD1FD959-2A5C-4E91-A474-3EB4437883A5}" presName="spaceRect" presStyleCnt="0"/>
+      <dgm:spPr/>
+    </dgm:pt>
+    <dgm:pt modelId="{58A315C8-0365-4C6A-BD54-88BD35F04ED2}" type="pres">
+      <dgm:prSet presAssocID="{BD1FD959-2A5C-4E91-A474-3EB4437883A5}" presName="parTx" presStyleLbl="revTx" presStyleIdx="4" presStyleCnt="5">
+        <dgm:presLayoutVars>
+          <dgm:chMax val="0"/>
+          <dgm:chPref val="0"/>
+        </dgm:presLayoutVars>
+      </dgm:prSet>
+      <dgm:spPr/>
+    </dgm:pt>
+  </dgm:ptLst>
+  <dgm:cxnLst>
+    <dgm:cxn modelId="{7B587139-E0D9-4544-8E5A-0937359837E2}" type="presOf" srcId="{0E4DE93A-3365-4D45-90E6-A300EA8621D4}" destId="{E9C6681C-0BA5-4571-B04D-32A7E8318CC2}" srcOrd="0" destOrd="0" presId="urn:microsoft.com/office/officeart/2018/2/layout/IconVerticalSolidList"/>
+    <dgm:cxn modelId="{D5A2E861-87C5-4D21-951A-022136049CF0}" type="presOf" srcId="{F48F9035-B44F-40C2-A016-439358BD8E27}" destId="{84985780-CC60-45FD-9E73-2DC37A94762E}" srcOrd="0" destOrd="0" presId="urn:microsoft.com/office/officeart/2018/2/layout/IconVerticalSolidList"/>
+    <dgm:cxn modelId="{41935D42-2178-426C-B675-E04D9CBBC5DC}" type="presOf" srcId="{BD1FD959-2A5C-4E91-A474-3EB4437883A5}" destId="{58A315C8-0365-4C6A-BD54-88BD35F04ED2}" srcOrd="0" destOrd="0" presId="urn:microsoft.com/office/officeart/2018/2/layout/IconVerticalSolidList"/>
+    <dgm:cxn modelId="{7C6F484B-F378-4309-914D-2B3D87328497}" srcId="{7B98437C-8EB3-4356-A82A-303FF88273E9}" destId="{0E4DE93A-3365-4D45-90E6-A300EA8621D4}" srcOrd="2" destOrd="0" parTransId="{B53064DE-97B3-49EB-9BE0-D8EBCCBD3176}" sibTransId="{CF5E5F40-06B7-4279-A802-1C94AAB0CEB1}"/>
+    <dgm:cxn modelId="{1554015A-CF1C-480A-AB65-5A6C54A07078}" srcId="{7B98437C-8EB3-4356-A82A-303FF88273E9}" destId="{8158A9E0-3AB2-4E53-8D7F-3021D7D98EB4}" srcOrd="0" destOrd="0" parTransId="{362D423A-0F24-4CC2-9AAD-985EFEAA4C62}" sibTransId="{12926104-6CBE-4EBC-9255-3523CA2663BA}"/>
+    <dgm:cxn modelId="{2207A891-2579-4325-94F7-469D99856E4C}" srcId="{7B98437C-8EB3-4356-A82A-303FF88273E9}" destId="{BD1FD959-2A5C-4E91-A474-3EB4437883A5}" srcOrd="4" destOrd="0" parTransId="{941F1732-5FF5-4FDD-B405-6BDE7D1174F9}" sibTransId="{7822088C-37D3-4509-98A8-39A3CBE524BC}"/>
+    <dgm:cxn modelId="{5AA8E694-8911-43F3-9C08-E0FA608336D7}" type="presOf" srcId="{8158A9E0-3AB2-4E53-8D7F-3021D7D98EB4}" destId="{2CE1951C-B8F9-494F-B4F9-9F693E97C40B}" srcOrd="0" destOrd="0" presId="urn:microsoft.com/office/officeart/2018/2/layout/IconVerticalSolidList"/>
+    <dgm:cxn modelId="{B1F2DB98-3BA7-4CB5-8B6C-62E396308D2A}" type="presOf" srcId="{91649BB7-A4EC-4356-BF42-0C5AEE0B40F6}" destId="{33391838-39C7-47B9-9F71-E78F86936F58}" srcOrd="0" destOrd="0" presId="urn:microsoft.com/office/officeart/2018/2/layout/IconVerticalSolidList"/>
+    <dgm:cxn modelId="{AAD4CCA3-3D6D-4A8D-A716-95595AD06FCB}" srcId="{7B98437C-8EB3-4356-A82A-303FF88273E9}" destId="{F48F9035-B44F-40C2-A016-439358BD8E27}" srcOrd="1" destOrd="0" parTransId="{1CD24D02-DBF8-4796-A4B8-7FA9B1D7D69C}" sibTransId="{9FE8D518-3226-4060-9557-6F4282B8A25E}"/>
+    <dgm:cxn modelId="{FF5208F3-ED52-4E1E-A419-29EC7997522B}" srcId="{7B98437C-8EB3-4356-A82A-303FF88273E9}" destId="{91649BB7-A4EC-4356-BF42-0C5AEE0B40F6}" srcOrd="3" destOrd="0" parTransId="{78D85A2D-A049-46CB-9576-2DACA7CCA531}" sibTransId="{21400141-CE69-46B2-911A-EB9928F3F5AC}"/>
+    <dgm:cxn modelId="{B2438BF6-0899-4B95-A10B-E82BE9DE8455}" type="presOf" srcId="{7B98437C-8EB3-4356-A82A-303FF88273E9}" destId="{1EDFED92-4E58-48EA-B6D1-95DD7FD64EB1}" srcOrd="0" destOrd="0" presId="urn:microsoft.com/office/officeart/2018/2/layout/IconVerticalSolidList"/>
+    <dgm:cxn modelId="{DCBE2B76-F052-44E5-92C3-F58C7C3B308D}" type="presParOf" srcId="{1EDFED92-4E58-48EA-B6D1-95DD7FD64EB1}" destId="{4AA629B2-21CF-4B14-AB67-2FA1AB8AC017}" srcOrd="0" destOrd="0" presId="urn:microsoft.com/office/officeart/2018/2/layout/IconVerticalSolidList"/>
+    <dgm:cxn modelId="{56B6D0B8-D714-4715-AB8D-C7371E0BA101}" type="presParOf" srcId="{4AA629B2-21CF-4B14-AB67-2FA1AB8AC017}" destId="{7C3942A4-B2C3-48FA-8842-9C9FCCBF092F}" srcOrd="0" destOrd="0" presId="urn:microsoft.com/office/officeart/2018/2/layout/IconVerticalSolidList"/>
+    <dgm:cxn modelId="{99E7C751-5B72-4F49-8AC7-5FDBD5A8704E}" type="presParOf" srcId="{4AA629B2-21CF-4B14-AB67-2FA1AB8AC017}" destId="{0DE34BB9-57F7-4E38-87FD-7B5208966DB0}" srcOrd="1" destOrd="0" presId="urn:microsoft.com/office/officeart/2018/2/layout/IconVerticalSolidList"/>
+    <dgm:cxn modelId="{CCE5DACE-F6B5-4FA6-BE5E-5C1B769E86E4}" type="presParOf" srcId="{4AA629B2-21CF-4B14-AB67-2FA1AB8AC017}" destId="{270D0465-3E22-49D8-B747-480A49690246}" srcOrd="2" destOrd="0" presId="urn:microsoft.com/office/officeart/2018/2/layout/IconVerticalSolidList"/>
+    <dgm:cxn modelId="{5CB1F183-1CF9-4909-B395-F38D6611E170}" type="presParOf" srcId="{4AA629B2-21CF-4B14-AB67-2FA1AB8AC017}" destId="{2CE1951C-B8F9-494F-B4F9-9F693E97C40B}" srcOrd="3" destOrd="0" presId="urn:microsoft.com/office/officeart/2018/2/layout/IconVerticalSolidList"/>
+    <dgm:cxn modelId="{EC9162BD-F27C-47D5-836B-DF19CDAEDBC5}" type="presParOf" srcId="{1EDFED92-4E58-48EA-B6D1-95DD7FD64EB1}" destId="{9F75B00E-DA45-43AC-A214-CF18CCDC80BF}" srcOrd="1" destOrd="0" presId="urn:microsoft.com/office/officeart/2018/2/layout/IconVerticalSolidList"/>
+    <dgm:cxn modelId="{06A9FE88-6EF7-4B9D-81F7-6392C9AA68B0}" type="presParOf" srcId="{1EDFED92-4E58-48EA-B6D1-95DD7FD64EB1}" destId="{FC8859C3-2108-40AA-B2EB-F52DDC1FC7D0}" srcOrd="2" destOrd="0" presId="urn:microsoft.com/office/officeart/2018/2/layout/IconVerticalSolidList"/>
+    <dgm:cxn modelId="{ABE779ED-5015-445E-8835-BE4A6C80EB49}" type="presParOf" srcId="{FC8859C3-2108-40AA-B2EB-F52DDC1FC7D0}" destId="{C0486724-C6EC-4BE4-A147-705572917002}" srcOrd="0" destOrd="0" presId="urn:microsoft.com/office/officeart/2018/2/layout/IconVerticalSolidList"/>
+    <dgm:cxn modelId="{9D352118-B41A-4ACB-B54C-A2CEDDFB5F4A}" type="presParOf" srcId="{FC8859C3-2108-40AA-B2EB-F52DDC1FC7D0}" destId="{88008395-B1A7-4021-BD6A-213FE417D68E}" srcOrd="1" destOrd="0" presId="urn:microsoft.com/office/officeart/2018/2/layout/IconVerticalSolidList"/>
+    <dgm:cxn modelId="{549353BC-F7B1-45A2-8C38-C4576B8079A7}" type="presParOf" srcId="{FC8859C3-2108-40AA-B2EB-F52DDC1FC7D0}" destId="{4832E6EE-7426-4D30-9A9A-27411A9A3E09}" srcOrd="2" destOrd="0" presId="urn:microsoft.com/office/officeart/2018/2/layout/IconVerticalSolidList"/>
+    <dgm:cxn modelId="{0D393E52-FB12-4B7C-9775-4970EBFE4E44}" type="presParOf" srcId="{FC8859C3-2108-40AA-B2EB-F52DDC1FC7D0}" destId="{84985780-CC60-45FD-9E73-2DC37A94762E}" srcOrd="3" destOrd="0" presId="urn:microsoft.com/office/officeart/2018/2/layout/IconVerticalSolidList"/>
+    <dgm:cxn modelId="{DADE764B-3488-41F9-A202-95C1269DF55F}" type="presParOf" srcId="{1EDFED92-4E58-48EA-B6D1-95DD7FD64EB1}" destId="{634A88C6-D75B-4C3E-9522-2D2953AD7855}" srcOrd="3" destOrd="0" presId="urn:microsoft.com/office/officeart/2018/2/layout/IconVerticalSolidList"/>
+    <dgm:cxn modelId="{37A3416D-DD8F-467C-ADD1-B80F0E3198DE}" type="presParOf" srcId="{1EDFED92-4E58-48EA-B6D1-95DD7FD64EB1}" destId="{75C7BD84-D9E7-4A84-A6B0-C673880394BD}" srcOrd="4" destOrd="0" presId="urn:microsoft.com/office/officeart/2018/2/layout/IconVerticalSolidList"/>
+    <dgm:cxn modelId="{CE6BFA42-7560-442A-9E96-3A0583110C89}" type="presParOf" srcId="{75C7BD84-D9E7-4A84-A6B0-C673880394BD}" destId="{31D36BE9-DD82-4BBE-BF05-E8F701C0099C}" srcOrd="0" destOrd="0" presId="urn:microsoft.com/office/officeart/2018/2/layout/IconVerticalSolidList"/>
+    <dgm:cxn modelId="{87DA68AE-328F-4244-8291-B94F633D4249}" type="presParOf" srcId="{75C7BD84-D9E7-4A84-A6B0-C673880394BD}" destId="{0C2FDDE7-097F-47D2-80CE-504089885D61}" srcOrd="1" destOrd="0" presId="urn:microsoft.com/office/officeart/2018/2/layout/IconVerticalSolidList"/>
+    <dgm:cxn modelId="{0F88B171-D09D-4490-8221-812CB8A73CBC}" type="presParOf" srcId="{75C7BD84-D9E7-4A84-A6B0-C673880394BD}" destId="{43A297F0-00A2-44CA-9F96-6E7BFDDBC750}" srcOrd="2" destOrd="0" presId="urn:microsoft.com/office/officeart/2018/2/layout/IconVerticalSolidList"/>
+    <dgm:cxn modelId="{21DE4EF9-702D-4518-8727-EC2431B5BB9D}" type="presParOf" srcId="{75C7BD84-D9E7-4A84-A6B0-C673880394BD}" destId="{E9C6681C-0BA5-4571-B04D-32A7E8318CC2}" srcOrd="3" destOrd="0" presId="urn:microsoft.com/office/officeart/2018/2/layout/IconVerticalSolidList"/>
+    <dgm:cxn modelId="{A69F9284-BEBC-42CD-ACCD-752545DA02DC}" type="presParOf" srcId="{1EDFED92-4E58-48EA-B6D1-95DD7FD64EB1}" destId="{C20388A4-15DE-4F36-8125-30F4EBCEBEAA}" srcOrd="5" destOrd="0" presId="urn:microsoft.com/office/officeart/2018/2/layout/IconVerticalSolidList"/>
+    <dgm:cxn modelId="{29C452C3-35D2-44F1-A1A8-20E1556C1CF3}" type="presParOf" srcId="{1EDFED92-4E58-48EA-B6D1-95DD7FD64EB1}" destId="{CFCE7119-D77A-4003-B98E-64B9D519860A}" srcOrd="6" destOrd="0" presId="urn:microsoft.com/office/officeart/2018/2/layout/IconVerticalSolidList"/>
+    <dgm:cxn modelId="{08C60116-8068-401A-A986-973DCA7695C6}" type="presParOf" srcId="{CFCE7119-D77A-4003-B98E-64B9D519860A}" destId="{55E0C264-55A6-4581-8E6A-7B5405BF07F5}" srcOrd="0" destOrd="0" presId="urn:microsoft.com/office/officeart/2018/2/layout/IconVerticalSolidList"/>
+    <dgm:cxn modelId="{C75EB06B-D69C-4F8B-82F9-1997C5C74189}" type="presParOf" srcId="{CFCE7119-D77A-4003-B98E-64B9D519860A}" destId="{2A4001D9-F44F-40E4-A8B3-3298C57A3848}" srcOrd="1" destOrd="0" presId="urn:microsoft.com/office/officeart/2018/2/layout/IconVerticalSolidList"/>
+    <dgm:cxn modelId="{FB5989F0-D685-4BE9-A11D-E2AC692368B9}" type="presParOf" srcId="{CFCE7119-D77A-4003-B98E-64B9D519860A}" destId="{169B23AE-1120-40A1-96FB-053DDB9CF55D}" srcOrd="2" destOrd="0" presId="urn:microsoft.com/office/officeart/2018/2/layout/IconVerticalSolidList"/>
+    <dgm:cxn modelId="{6FB4F634-D2F1-46AC-9D68-7A029B909E4D}" type="presParOf" srcId="{CFCE7119-D77A-4003-B98E-64B9D519860A}" destId="{33391838-39C7-47B9-9F71-E78F86936F58}" srcOrd="3" destOrd="0" presId="urn:microsoft.com/office/officeart/2018/2/layout/IconVerticalSolidList"/>
+    <dgm:cxn modelId="{1DFD565A-D449-4BE4-A489-FA332609B76D}" type="presParOf" srcId="{1EDFED92-4E58-48EA-B6D1-95DD7FD64EB1}" destId="{D87B3BD6-5FD3-41A3-806C-367FDAE4D0B4}" srcOrd="7" destOrd="0" presId="urn:microsoft.com/office/officeart/2018/2/layout/IconVerticalSolidList"/>
+    <dgm:cxn modelId="{FA9BFE14-79D9-4595-8AF6-BDF628E2EE33}" type="presParOf" srcId="{1EDFED92-4E58-48EA-B6D1-95DD7FD64EB1}" destId="{1ECF22D1-B71E-4AD6-94DC-8D7FD67EC6DE}" srcOrd="8" destOrd="0" presId="urn:microsoft.com/office/officeart/2018/2/layout/IconVerticalSolidList"/>
+    <dgm:cxn modelId="{C47CEE7E-7BF7-4B56-AB2D-EC3FED36F33B}" type="presParOf" srcId="{1ECF22D1-B71E-4AD6-94DC-8D7FD67EC6DE}" destId="{26662501-6ED9-486F-B7C8-B3B75ED509F9}" srcOrd="0" destOrd="0" presId="urn:microsoft.com/office/officeart/2018/2/layout/IconVerticalSolidList"/>
+    <dgm:cxn modelId="{2A2192F9-A7C6-4EAD-96E1-B013EB818765}" type="presParOf" srcId="{1ECF22D1-B71E-4AD6-94DC-8D7FD67EC6DE}" destId="{658C3F59-FDED-4745-A1CD-6292D065ED5C}" srcOrd="1" destOrd="0" presId="urn:microsoft.com/office/officeart/2018/2/layout/IconVerticalSolidList"/>
+    <dgm:cxn modelId="{0019E42A-AF1B-4134-91BB-444795585D89}" type="presParOf" srcId="{1ECF22D1-B71E-4AD6-94DC-8D7FD67EC6DE}" destId="{A0F4E686-CC7A-4C99-9EB7-851487307214}" srcOrd="2" destOrd="0" presId="urn:microsoft.com/office/officeart/2018/2/layout/IconVerticalSolidList"/>
+    <dgm:cxn modelId="{3B34C8B8-15A5-4953-A341-872545B11447}" type="presParOf" srcId="{1ECF22D1-B71E-4AD6-94DC-8D7FD67EC6DE}" destId="{58A315C8-0365-4C6A-BD54-88BD35F04ED2}" srcOrd="3" destOrd="0" presId="urn:microsoft.com/office/officeart/2018/2/layout/IconVerticalSolidList"/>
+  </dgm:cxnLst>
+  <dgm:bg/>
+  <dgm:whole/>
+  <dgm:extLst>
+    <a:ext uri="http://schemas.microsoft.com/office/drawing/2008/diagram">
+      <dsp:dataModelExt xmlns:dsp="http://schemas.microsoft.com/office/drawing/2008/diagram" relId="rId6" minVer="http://schemas.openxmlformats.org/drawingml/2006/diagram"/>
+    </a:ext>
+  </dgm:extLst>
+</dgm:dataModel>
+</file>
+
+<file path=ppt/diagrams/drawing1.xml><?xml version="1.0" encoding="utf-8"?>
+<dsp:drawing xmlns:dgm="http://schemas.openxmlformats.org/drawingml/2006/diagram" xmlns:dsp="http://schemas.microsoft.com/office/drawing/2008/diagram" xmlns:a="http://schemas.openxmlformats.org/drawingml/2006/main">
+  <dsp:spTree>
+    <dsp:nvGrpSpPr>
+      <dsp:cNvPr id="0" name=""/>
+      <dsp:cNvGrpSpPr/>
+    </dsp:nvGrpSpPr>
+    <dsp:grpSpPr/>
+    <dsp:sp modelId="{7C3942A4-B2C3-48FA-8842-9C9FCCBF092F}">
+      <dsp:nvSpPr>
+        <dsp:cNvPr id="0" name=""/>
+        <dsp:cNvSpPr/>
+      </dsp:nvSpPr>
+      <dsp:spPr>
+        <a:xfrm>
+          <a:off x="0" y="3394"/>
+          <a:ext cx="10580688" cy="723032"/>
+        </a:xfrm>
+        <a:prstGeom prst="roundRect">
+          <a:avLst>
+            <a:gd name="adj" fmla="val 10000"/>
+          </a:avLst>
+        </a:prstGeom>
+        <a:solidFill>
+          <a:schemeClr val="accent2">
+            <a:tint val="40000"/>
+            <a:hueOff val="0"/>
+            <a:satOff val="0"/>
+            <a:lumOff val="0"/>
+            <a:alphaOff val="0"/>
+          </a:schemeClr>
+        </a:solidFill>
+        <a:ln>
+          <a:noFill/>
+        </a:ln>
+        <a:effectLst/>
+      </dsp:spPr>
+      <dsp:style>
+        <a:lnRef idx="0">
+          <a:scrgbClr r="0" g="0" b="0"/>
+        </a:lnRef>
+        <a:fillRef idx="1">
+          <a:scrgbClr r="0" g="0" b="0"/>
+        </a:fillRef>
+        <a:effectRef idx="0">
+          <a:scrgbClr r="0" g="0" b="0"/>
+        </a:effectRef>
+        <a:fontRef idx="minor"/>
+      </dsp:style>
+    </dsp:sp>
+    <dsp:sp modelId="{0DE34BB9-57F7-4E38-87FD-7B5208966DB0}">
+      <dsp:nvSpPr>
+        <dsp:cNvPr id="0" name=""/>
+        <dsp:cNvSpPr/>
+      </dsp:nvSpPr>
+      <dsp:spPr>
+        <a:xfrm>
+          <a:off x="218717" y="166076"/>
+          <a:ext cx="397668" cy="397668"/>
+        </a:xfrm>
+        <a:prstGeom prst="rect">
+          <a:avLst/>
+        </a:prstGeom>
+        <a:blipFill>
+          <a:blip xmlns:r="http://schemas.openxmlformats.org/officeDocument/2006/relationships" r:embed="rId1">
+            <a:extLst>
+              <a:ext uri="{28A0092B-C50C-407E-A947-70E740481C1C}">
+                <a14:useLocalDpi xmlns:a14="http://schemas.microsoft.com/office/drawing/2010/main" val="0"/>
+              </a:ext>
+              <a:ext uri="{96DAC541-7B7A-43D3-8B79-37D633B846F1}">
+                <asvg:svgBlip xmlns:asvg="http://schemas.microsoft.com/office/drawing/2016/SVG/main" r:embed="rId2"/>
+              </a:ext>
+            </a:extLst>
+          </a:blip>
+          <a:stretch>
+            <a:fillRect/>
+          </a:stretch>
+        </a:blipFill>
+        <a:ln w="12700" cap="flat" cmpd="sng" algn="ctr">
+          <a:noFill/>
+          <a:prstDash val="solid"/>
+          <a:miter lim="800000"/>
+        </a:ln>
+        <a:effectLst/>
+      </dsp:spPr>
+      <dsp:style>
+        <a:lnRef idx="2">
+          <a:scrgbClr r="0" g="0" b="0"/>
+        </a:lnRef>
+        <a:fillRef idx="1">
+          <a:scrgbClr r="0" g="0" b="0"/>
+        </a:fillRef>
+        <a:effectRef idx="0">
+          <a:scrgbClr r="0" g="0" b="0"/>
+        </a:effectRef>
+        <a:fontRef idx="minor">
+          <a:schemeClr val="lt1"/>
+        </a:fontRef>
+      </dsp:style>
+    </dsp:sp>
+    <dsp:sp modelId="{2CE1951C-B8F9-494F-B4F9-9F693E97C40B}">
+      <dsp:nvSpPr>
+        <dsp:cNvPr id="0" name=""/>
+        <dsp:cNvSpPr/>
+      </dsp:nvSpPr>
+      <dsp:spPr>
+        <a:xfrm>
+          <a:off x="835103" y="3394"/>
+          <a:ext cx="9745584" cy="723032"/>
+        </a:xfrm>
+        <a:prstGeom prst="rect">
+          <a:avLst/>
+        </a:prstGeom>
+        <a:noFill/>
+        <a:ln>
+          <a:noFill/>
+        </a:ln>
+        <a:effectLst/>
+      </dsp:spPr>
+      <dsp:style>
+        <a:lnRef idx="0">
+          <a:scrgbClr r="0" g="0" b="0"/>
+        </a:lnRef>
+        <a:fillRef idx="0">
+          <a:scrgbClr r="0" g="0" b="0"/>
+        </a:fillRef>
+        <a:effectRef idx="0">
+          <a:scrgbClr r="0" g="0" b="0"/>
+        </a:effectRef>
+        <a:fontRef idx="minor"/>
+      </dsp:style>
+      <dsp:txBody>
+        <a:bodyPr spcFirstLastPara="0" vert="horz" wrap="square" lIns="76521" tIns="76521" rIns="76521" bIns="76521" numCol="1" spcCol="1270" anchor="ctr" anchorCtr="0">
+          <a:noAutofit/>
+        </a:bodyPr>
+        <a:lstStyle/>
+        <a:p>
+          <a:pPr marL="0" lvl="0" indent="0" algn="l" defTabSz="844550">
+            <a:lnSpc>
+              <a:spcPct val="90000"/>
+            </a:lnSpc>
+            <a:spcBef>
+              <a:spcPct val="0"/>
+            </a:spcBef>
+            <a:spcAft>
+              <a:spcPct val="35000"/>
+            </a:spcAft>
+            <a:buNone/>
+          </a:pPr>
+          <a:r>
+            <a:rPr lang="de-DE" sz="1900" b="1" kern="1200" dirty="0"/>
+            <a:t>1. Aufgabenstellung</a:t>
+          </a:r>
+          <a:endParaRPr lang="en-US" sz="1900" kern="1200" dirty="0"/>
+        </a:p>
+      </dsp:txBody>
+      <dsp:txXfrm>
+        <a:off x="835103" y="3394"/>
+        <a:ext cx="9745584" cy="723032"/>
+      </dsp:txXfrm>
+    </dsp:sp>
+    <dsp:sp modelId="{C0486724-C6EC-4BE4-A147-705572917002}">
+      <dsp:nvSpPr>
+        <dsp:cNvPr id="0" name=""/>
+        <dsp:cNvSpPr/>
+      </dsp:nvSpPr>
+      <dsp:spPr>
+        <a:xfrm>
+          <a:off x="0" y="907185"/>
+          <a:ext cx="10580688" cy="723032"/>
+        </a:xfrm>
+        <a:prstGeom prst="roundRect">
+          <a:avLst>
+            <a:gd name="adj" fmla="val 10000"/>
+          </a:avLst>
+        </a:prstGeom>
+        <a:solidFill>
+          <a:schemeClr val="accent2">
+            <a:tint val="40000"/>
+            <a:hueOff val="0"/>
+            <a:satOff val="0"/>
+            <a:lumOff val="0"/>
+            <a:alphaOff val="0"/>
+          </a:schemeClr>
+        </a:solidFill>
+        <a:ln>
+          <a:noFill/>
+        </a:ln>
+        <a:effectLst/>
+      </dsp:spPr>
+      <dsp:style>
+        <a:lnRef idx="0">
+          <a:scrgbClr r="0" g="0" b="0"/>
+        </a:lnRef>
+        <a:fillRef idx="1">
+          <a:scrgbClr r="0" g="0" b="0"/>
+        </a:fillRef>
+        <a:effectRef idx="0">
+          <a:scrgbClr r="0" g="0" b="0"/>
+        </a:effectRef>
+        <a:fontRef idx="minor"/>
+      </dsp:style>
+    </dsp:sp>
+    <dsp:sp modelId="{88008395-B1A7-4021-BD6A-213FE417D68E}">
+      <dsp:nvSpPr>
+        <dsp:cNvPr id="0" name=""/>
+        <dsp:cNvSpPr/>
+      </dsp:nvSpPr>
+      <dsp:spPr>
+        <a:xfrm>
+          <a:off x="218717" y="1069868"/>
+          <a:ext cx="397668" cy="397668"/>
+        </a:xfrm>
+        <a:prstGeom prst="rect">
+          <a:avLst/>
+        </a:prstGeom>
+        <a:blipFill>
+          <a:blip xmlns:r="http://schemas.openxmlformats.org/officeDocument/2006/relationships" r:embed="rId3">
+            <a:extLst>
+              <a:ext uri="{28A0092B-C50C-407E-A947-70E740481C1C}">
+                <a14:useLocalDpi xmlns:a14="http://schemas.microsoft.com/office/drawing/2010/main" val="0"/>
+              </a:ext>
+              <a:ext uri="{96DAC541-7B7A-43D3-8B79-37D633B846F1}">
+                <asvg:svgBlip xmlns:asvg="http://schemas.microsoft.com/office/drawing/2016/SVG/main" r:embed="rId4"/>
+              </a:ext>
+            </a:extLst>
+          </a:blip>
+          <a:stretch>
+            <a:fillRect/>
+          </a:stretch>
+        </a:blipFill>
+        <a:ln w="12700" cap="flat" cmpd="sng" algn="ctr">
+          <a:noFill/>
+          <a:prstDash val="solid"/>
+          <a:miter lim="800000"/>
+        </a:ln>
+        <a:effectLst/>
+      </dsp:spPr>
+      <dsp:style>
+        <a:lnRef idx="2">
+          <a:scrgbClr r="0" g="0" b="0"/>
+        </a:lnRef>
+        <a:fillRef idx="1">
+          <a:scrgbClr r="0" g="0" b="0"/>
+        </a:fillRef>
+        <a:effectRef idx="0">
+          <a:scrgbClr r="0" g="0" b="0"/>
+        </a:effectRef>
+        <a:fontRef idx="minor">
+          <a:schemeClr val="lt1"/>
+        </a:fontRef>
+      </dsp:style>
+    </dsp:sp>
+    <dsp:sp modelId="{84985780-CC60-45FD-9E73-2DC37A94762E}">
+      <dsp:nvSpPr>
+        <dsp:cNvPr id="0" name=""/>
+        <dsp:cNvSpPr/>
+      </dsp:nvSpPr>
+      <dsp:spPr>
+        <a:xfrm>
+          <a:off x="835103" y="907185"/>
+          <a:ext cx="9745584" cy="723032"/>
+        </a:xfrm>
+        <a:prstGeom prst="rect">
+          <a:avLst/>
+        </a:prstGeom>
+        <a:noFill/>
+        <a:ln>
+          <a:noFill/>
+        </a:ln>
+        <a:effectLst/>
+      </dsp:spPr>
+      <dsp:style>
+        <a:lnRef idx="0">
+          <a:scrgbClr r="0" g="0" b="0"/>
+        </a:lnRef>
+        <a:fillRef idx="0">
+          <a:scrgbClr r="0" g="0" b="0"/>
+        </a:fillRef>
+        <a:effectRef idx="0">
+          <a:scrgbClr r="0" g="0" b="0"/>
+        </a:effectRef>
+        <a:fontRef idx="minor"/>
+      </dsp:style>
+      <dsp:txBody>
+        <a:bodyPr spcFirstLastPara="0" vert="horz" wrap="square" lIns="76521" tIns="76521" rIns="76521" bIns="76521" numCol="1" spcCol="1270" anchor="ctr" anchorCtr="0">
+          <a:noAutofit/>
+        </a:bodyPr>
+        <a:lstStyle/>
+        <a:p>
+          <a:pPr marL="0" lvl="0" indent="0" algn="l" defTabSz="844550">
+            <a:lnSpc>
+              <a:spcPct val="90000"/>
+            </a:lnSpc>
+            <a:spcBef>
+              <a:spcPct val="0"/>
+            </a:spcBef>
+            <a:spcAft>
+              <a:spcPct val="35000"/>
+            </a:spcAft>
+            <a:buNone/>
+          </a:pPr>
+          <a:r>
+            <a:rPr lang="de-DE" sz="1900" b="1" kern="1200" dirty="0"/>
+            <a:t>2. Konzept</a:t>
+          </a:r>
+          <a:endParaRPr lang="en-US" sz="1900" kern="1200" dirty="0"/>
+        </a:p>
+      </dsp:txBody>
+      <dsp:txXfrm>
+        <a:off x="835103" y="907185"/>
+        <a:ext cx="9745584" cy="723032"/>
+      </dsp:txXfrm>
+    </dsp:sp>
+    <dsp:sp modelId="{31D36BE9-DD82-4BBE-BF05-E8F701C0099C}">
+      <dsp:nvSpPr>
+        <dsp:cNvPr id="0" name=""/>
+        <dsp:cNvSpPr/>
+      </dsp:nvSpPr>
+      <dsp:spPr>
+        <a:xfrm>
+          <a:off x="0" y="1810977"/>
+          <a:ext cx="10580688" cy="723032"/>
+        </a:xfrm>
+        <a:prstGeom prst="roundRect">
+          <a:avLst>
+            <a:gd name="adj" fmla="val 10000"/>
+          </a:avLst>
+        </a:prstGeom>
+        <a:solidFill>
+          <a:schemeClr val="accent2">
+            <a:tint val="40000"/>
+            <a:hueOff val="0"/>
+            <a:satOff val="0"/>
+            <a:lumOff val="0"/>
+            <a:alphaOff val="0"/>
+          </a:schemeClr>
+        </a:solidFill>
+        <a:ln>
+          <a:noFill/>
+        </a:ln>
+        <a:effectLst/>
+      </dsp:spPr>
+      <dsp:style>
+        <a:lnRef idx="0">
+          <a:scrgbClr r="0" g="0" b="0"/>
+        </a:lnRef>
+        <a:fillRef idx="1">
+          <a:scrgbClr r="0" g="0" b="0"/>
+        </a:fillRef>
+        <a:effectRef idx="0">
+          <a:scrgbClr r="0" g="0" b="0"/>
+        </a:effectRef>
+        <a:fontRef idx="minor"/>
+      </dsp:style>
+    </dsp:sp>
+    <dsp:sp modelId="{0C2FDDE7-097F-47D2-80CE-504089885D61}">
+      <dsp:nvSpPr>
+        <dsp:cNvPr id="0" name=""/>
+        <dsp:cNvSpPr/>
+      </dsp:nvSpPr>
+      <dsp:spPr>
+        <a:xfrm>
+          <a:off x="218717" y="1973659"/>
+          <a:ext cx="397668" cy="397668"/>
+        </a:xfrm>
+        <a:prstGeom prst="rect">
+          <a:avLst/>
+        </a:prstGeom>
+        <a:blipFill>
+          <a:blip xmlns:r="http://schemas.openxmlformats.org/officeDocument/2006/relationships" r:embed="rId5">
+            <a:extLst>
+              <a:ext uri="{28A0092B-C50C-407E-A947-70E740481C1C}">
+                <a14:useLocalDpi xmlns:a14="http://schemas.microsoft.com/office/drawing/2010/main" val="0"/>
+              </a:ext>
+              <a:ext uri="{96DAC541-7B7A-43D3-8B79-37D633B846F1}">
+                <asvg:svgBlip xmlns:asvg="http://schemas.microsoft.com/office/drawing/2016/SVG/main" r:embed="rId6"/>
+              </a:ext>
+            </a:extLst>
+          </a:blip>
+          <a:stretch>
+            <a:fillRect/>
+          </a:stretch>
+        </a:blipFill>
+        <a:ln w="12700" cap="flat" cmpd="sng" algn="ctr">
+          <a:noFill/>
+          <a:prstDash val="solid"/>
+          <a:miter lim="800000"/>
+        </a:ln>
+        <a:effectLst/>
+      </dsp:spPr>
+      <dsp:style>
+        <a:lnRef idx="2">
+          <a:scrgbClr r="0" g="0" b="0"/>
+        </a:lnRef>
+        <a:fillRef idx="1">
+          <a:scrgbClr r="0" g="0" b="0"/>
+        </a:fillRef>
+        <a:effectRef idx="0">
+          <a:scrgbClr r="0" g="0" b="0"/>
+        </a:effectRef>
+        <a:fontRef idx="minor">
+          <a:schemeClr val="lt1"/>
+        </a:fontRef>
+      </dsp:style>
+    </dsp:sp>
+    <dsp:sp modelId="{E9C6681C-0BA5-4571-B04D-32A7E8318CC2}">
+      <dsp:nvSpPr>
+        <dsp:cNvPr id="0" name=""/>
+        <dsp:cNvSpPr/>
+      </dsp:nvSpPr>
+      <dsp:spPr>
+        <a:xfrm>
+          <a:off x="835103" y="1810977"/>
+          <a:ext cx="9745584" cy="723032"/>
+        </a:xfrm>
+        <a:prstGeom prst="rect">
+          <a:avLst/>
+        </a:prstGeom>
+        <a:noFill/>
+        <a:ln>
+          <a:noFill/>
+        </a:ln>
+        <a:effectLst/>
+      </dsp:spPr>
+      <dsp:style>
+        <a:lnRef idx="0">
+          <a:scrgbClr r="0" g="0" b="0"/>
+        </a:lnRef>
+        <a:fillRef idx="0">
+          <a:scrgbClr r="0" g="0" b="0"/>
+        </a:fillRef>
+        <a:effectRef idx="0">
+          <a:scrgbClr r="0" g="0" b="0"/>
+        </a:effectRef>
+        <a:fontRef idx="minor"/>
+      </dsp:style>
+      <dsp:txBody>
+        <a:bodyPr spcFirstLastPara="0" vert="horz" wrap="square" lIns="76521" tIns="76521" rIns="76521" bIns="76521" numCol="1" spcCol="1270" anchor="ctr" anchorCtr="0">
+          <a:noAutofit/>
+        </a:bodyPr>
+        <a:lstStyle/>
+        <a:p>
+          <a:pPr marL="0" lvl="0" indent="0" algn="l" defTabSz="844550">
+            <a:lnSpc>
+              <a:spcPct val="90000"/>
+            </a:lnSpc>
+            <a:spcBef>
+              <a:spcPct val="0"/>
+            </a:spcBef>
+            <a:spcAft>
+              <a:spcPct val="35000"/>
+            </a:spcAft>
+            <a:buNone/>
+          </a:pPr>
+          <a:r>
+            <a:rPr lang="de-DE" sz="1900" b="1" kern="1200" dirty="0"/>
+            <a:t>3. Implementation</a:t>
+          </a:r>
+          <a:endParaRPr lang="en-US" sz="1900" kern="1200" dirty="0"/>
+        </a:p>
+      </dsp:txBody>
+      <dsp:txXfrm>
+        <a:off x="835103" y="1810977"/>
+        <a:ext cx="9745584" cy="723032"/>
+      </dsp:txXfrm>
+    </dsp:sp>
+    <dsp:sp modelId="{55E0C264-55A6-4581-8E6A-7B5405BF07F5}">
+      <dsp:nvSpPr>
+        <dsp:cNvPr id="0" name=""/>
+        <dsp:cNvSpPr/>
+      </dsp:nvSpPr>
+      <dsp:spPr>
+        <a:xfrm>
+          <a:off x="0" y="2714768"/>
+          <a:ext cx="10580688" cy="723032"/>
+        </a:xfrm>
+        <a:prstGeom prst="roundRect">
+          <a:avLst>
+            <a:gd name="adj" fmla="val 10000"/>
+          </a:avLst>
+        </a:prstGeom>
+        <a:solidFill>
+          <a:schemeClr val="accent2">
+            <a:tint val="40000"/>
+            <a:hueOff val="0"/>
+            <a:satOff val="0"/>
+            <a:lumOff val="0"/>
+            <a:alphaOff val="0"/>
+          </a:schemeClr>
+        </a:solidFill>
+        <a:ln>
+          <a:noFill/>
+        </a:ln>
+        <a:effectLst/>
+      </dsp:spPr>
+      <dsp:style>
+        <a:lnRef idx="0">
+          <a:scrgbClr r="0" g="0" b="0"/>
+        </a:lnRef>
+        <a:fillRef idx="1">
+          <a:scrgbClr r="0" g="0" b="0"/>
+        </a:fillRef>
+        <a:effectRef idx="0">
+          <a:scrgbClr r="0" g="0" b="0"/>
+        </a:effectRef>
+        <a:fontRef idx="minor"/>
+      </dsp:style>
+    </dsp:sp>
+    <dsp:sp modelId="{2A4001D9-F44F-40E4-A8B3-3298C57A3848}">
+      <dsp:nvSpPr>
+        <dsp:cNvPr id="0" name=""/>
+        <dsp:cNvSpPr/>
+      </dsp:nvSpPr>
+      <dsp:spPr>
+        <a:xfrm>
+          <a:off x="218717" y="2877450"/>
+          <a:ext cx="397668" cy="397668"/>
+        </a:xfrm>
+        <a:prstGeom prst="rect">
+          <a:avLst/>
+        </a:prstGeom>
+        <a:blipFill>
+          <a:blip xmlns:r="http://schemas.openxmlformats.org/officeDocument/2006/relationships" r:embed="rId7">
+            <a:extLst>
+              <a:ext uri="{28A0092B-C50C-407E-A947-70E740481C1C}">
+                <a14:useLocalDpi xmlns:a14="http://schemas.microsoft.com/office/drawing/2010/main" val="0"/>
+              </a:ext>
+              <a:ext uri="{96DAC541-7B7A-43D3-8B79-37D633B846F1}">
+                <asvg:svgBlip xmlns:asvg="http://schemas.microsoft.com/office/drawing/2016/SVG/main" r:embed="rId8"/>
+              </a:ext>
+            </a:extLst>
+          </a:blip>
+          <a:stretch>
+            <a:fillRect/>
+          </a:stretch>
+        </a:blipFill>
+        <a:ln w="12700" cap="flat" cmpd="sng" algn="ctr">
+          <a:noFill/>
+          <a:prstDash val="solid"/>
+          <a:miter lim="800000"/>
+        </a:ln>
+        <a:effectLst/>
+      </dsp:spPr>
+      <dsp:style>
+        <a:lnRef idx="2">
+          <a:scrgbClr r="0" g="0" b="0"/>
+        </a:lnRef>
+        <a:fillRef idx="1">
+          <a:scrgbClr r="0" g="0" b="0"/>
+        </a:fillRef>
+        <a:effectRef idx="0">
+          <a:scrgbClr r="0" g="0" b="0"/>
+        </a:effectRef>
+        <a:fontRef idx="minor">
+          <a:schemeClr val="lt1"/>
+        </a:fontRef>
+      </dsp:style>
+    </dsp:sp>
+    <dsp:sp modelId="{33391838-39C7-47B9-9F71-E78F86936F58}">
+      <dsp:nvSpPr>
+        <dsp:cNvPr id="0" name=""/>
+        <dsp:cNvSpPr/>
+      </dsp:nvSpPr>
+      <dsp:spPr>
+        <a:xfrm>
+          <a:off x="835103" y="2714768"/>
+          <a:ext cx="9745584" cy="723032"/>
+        </a:xfrm>
+        <a:prstGeom prst="rect">
+          <a:avLst/>
+        </a:prstGeom>
+        <a:noFill/>
+        <a:ln>
+          <a:noFill/>
+        </a:ln>
+        <a:effectLst/>
+      </dsp:spPr>
+      <dsp:style>
+        <a:lnRef idx="0">
+          <a:scrgbClr r="0" g="0" b="0"/>
+        </a:lnRef>
+        <a:fillRef idx="0">
+          <a:scrgbClr r="0" g="0" b="0"/>
+        </a:fillRef>
+        <a:effectRef idx="0">
+          <a:scrgbClr r="0" g="0" b="0"/>
+        </a:effectRef>
+        <a:fontRef idx="minor"/>
+      </dsp:style>
+      <dsp:txBody>
+        <a:bodyPr spcFirstLastPara="0" vert="horz" wrap="square" lIns="76521" tIns="76521" rIns="76521" bIns="76521" numCol="1" spcCol="1270" anchor="ctr" anchorCtr="0">
+          <a:noAutofit/>
+        </a:bodyPr>
+        <a:lstStyle/>
+        <a:p>
+          <a:pPr marL="0" lvl="0" indent="0" algn="l" defTabSz="844550">
+            <a:lnSpc>
+              <a:spcPct val="90000"/>
+            </a:lnSpc>
+            <a:spcBef>
+              <a:spcPct val="0"/>
+            </a:spcBef>
+            <a:spcAft>
+              <a:spcPct val="35000"/>
+            </a:spcAft>
+            <a:buNone/>
+          </a:pPr>
+          <a:r>
+            <a:rPr lang="de-DE" sz="1900" b="1" kern="1200" dirty="0"/>
+            <a:t>4. Diskussion</a:t>
+          </a:r>
+          <a:endParaRPr lang="en-US" sz="1900" kern="1200" dirty="0"/>
+        </a:p>
+      </dsp:txBody>
+      <dsp:txXfrm>
+        <a:off x="835103" y="2714768"/>
+        <a:ext cx="9745584" cy="723032"/>
+      </dsp:txXfrm>
+    </dsp:sp>
+    <dsp:sp modelId="{26662501-6ED9-486F-B7C8-B3B75ED509F9}">
+      <dsp:nvSpPr>
+        <dsp:cNvPr id="0" name=""/>
+        <dsp:cNvSpPr/>
+      </dsp:nvSpPr>
+      <dsp:spPr>
+        <a:xfrm>
+          <a:off x="0" y="3618559"/>
+          <a:ext cx="10580688" cy="723032"/>
+        </a:xfrm>
+        <a:prstGeom prst="roundRect">
+          <a:avLst>
+            <a:gd name="adj" fmla="val 10000"/>
+          </a:avLst>
+        </a:prstGeom>
+        <a:solidFill>
+          <a:schemeClr val="accent2">
+            <a:tint val="40000"/>
+            <a:hueOff val="0"/>
+            <a:satOff val="0"/>
+            <a:lumOff val="0"/>
+            <a:alphaOff val="0"/>
+          </a:schemeClr>
+        </a:solidFill>
+        <a:ln>
+          <a:noFill/>
+        </a:ln>
+        <a:effectLst/>
+      </dsp:spPr>
+      <dsp:style>
+        <a:lnRef idx="0">
+          <a:scrgbClr r="0" g="0" b="0"/>
+        </a:lnRef>
+        <a:fillRef idx="1">
+          <a:scrgbClr r="0" g="0" b="0"/>
+        </a:fillRef>
+        <a:effectRef idx="0">
+          <a:scrgbClr r="0" g="0" b="0"/>
+        </a:effectRef>
+        <a:fontRef idx="minor"/>
+      </dsp:style>
+    </dsp:sp>
+    <dsp:sp modelId="{658C3F59-FDED-4745-A1CD-6292D065ED5C}">
+      <dsp:nvSpPr>
+        <dsp:cNvPr id="0" name=""/>
+        <dsp:cNvSpPr/>
+      </dsp:nvSpPr>
+      <dsp:spPr>
+        <a:xfrm>
+          <a:off x="218717" y="3781241"/>
+          <a:ext cx="397668" cy="397668"/>
+        </a:xfrm>
+        <a:prstGeom prst="rect">
+          <a:avLst/>
+        </a:prstGeom>
+        <a:blipFill>
+          <a:blip xmlns:r="http://schemas.openxmlformats.org/officeDocument/2006/relationships" r:embed="rId9">
+            <a:extLst>
+              <a:ext uri="{28A0092B-C50C-407E-A947-70E740481C1C}">
+                <a14:useLocalDpi xmlns:a14="http://schemas.microsoft.com/office/drawing/2010/main" val="0"/>
+              </a:ext>
+              <a:ext uri="{96DAC541-7B7A-43D3-8B79-37D633B846F1}">
+                <asvg:svgBlip xmlns:asvg="http://schemas.microsoft.com/office/drawing/2016/SVG/main" r:embed="rId10"/>
+              </a:ext>
+            </a:extLst>
+          </a:blip>
+          <a:stretch>
+            <a:fillRect/>
+          </a:stretch>
+        </a:blipFill>
+        <a:ln w="12700" cap="flat" cmpd="sng" algn="ctr">
+          <a:noFill/>
+          <a:prstDash val="solid"/>
+          <a:miter lim="800000"/>
+        </a:ln>
+        <a:effectLst/>
+      </dsp:spPr>
+      <dsp:style>
+        <a:lnRef idx="2">
+          <a:scrgbClr r="0" g="0" b="0"/>
+        </a:lnRef>
+        <a:fillRef idx="1">
+          <a:scrgbClr r="0" g="0" b="0"/>
+        </a:fillRef>
+        <a:effectRef idx="0">
+          <a:scrgbClr r="0" g="0" b="0"/>
+        </a:effectRef>
+        <a:fontRef idx="minor">
+          <a:schemeClr val="lt1"/>
+        </a:fontRef>
+      </dsp:style>
+    </dsp:sp>
+    <dsp:sp modelId="{58A315C8-0365-4C6A-BD54-88BD35F04ED2}">
+      <dsp:nvSpPr>
+        <dsp:cNvPr id="0" name=""/>
+        <dsp:cNvSpPr/>
+      </dsp:nvSpPr>
+      <dsp:spPr>
+        <a:xfrm>
+          <a:off x="835103" y="3618559"/>
+          <a:ext cx="9745584" cy="723032"/>
+        </a:xfrm>
+        <a:prstGeom prst="rect">
+          <a:avLst/>
+        </a:prstGeom>
+        <a:noFill/>
+        <a:ln>
+          <a:noFill/>
+        </a:ln>
+        <a:effectLst/>
+      </dsp:spPr>
+      <dsp:style>
+        <a:lnRef idx="0">
+          <a:scrgbClr r="0" g="0" b="0"/>
+        </a:lnRef>
+        <a:fillRef idx="0">
+          <a:scrgbClr r="0" g="0" b="0"/>
+        </a:fillRef>
+        <a:effectRef idx="0">
+          <a:scrgbClr r="0" g="0" b="0"/>
+        </a:effectRef>
+        <a:fontRef idx="minor"/>
+      </dsp:style>
+      <dsp:txBody>
+        <a:bodyPr spcFirstLastPara="0" vert="horz" wrap="square" lIns="76521" tIns="76521" rIns="76521" bIns="76521" numCol="1" spcCol="1270" anchor="ctr" anchorCtr="0">
+          <a:noAutofit/>
+        </a:bodyPr>
+        <a:lstStyle/>
+        <a:p>
+          <a:pPr marL="0" lvl="0" indent="0" algn="l" defTabSz="844550">
+            <a:lnSpc>
+              <a:spcPct val="90000"/>
+            </a:lnSpc>
+            <a:spcBef>
+              <a:spcPct val="0"/>
+            </a:spcBef>
+            <a:spcAft>
+              <a:spcPct val="35000"/>
+            </a:spcAft>
+            <a:buNone/>
+          </a:pPr>
+          <a:r>
+            <a:rPr lang="de-DE" sz="1900" b="1" kern="1200" dirty="0"/>
+            <a:t>5. Vorstellung</a:t>
+          </a:r>
+          <a:endParaRPr lang="en-US" sz="1900" kern="1200" dirty="0"/>
+        </a:p>
+      </dsp:txBody>
+      <dsp:txXfrm>
+        <a:off x="835103" y="3618559"/>
+        <a:ext cx="9745584" cy="723032"/>
+      </dsp:txXfrm>
+    </dsp:sp>
+  </dsp:spTree>
+</dsp:drawing>
+</file>
+
+<file path=ppt/diagrams/layout1.xml><?xml version="1.0" encoding="utf-8"?>
+<dgm:layoutDef xmlns:dgm="http://schemas.openxmlformats.org/drawingml/2006/diagram" xmlns:a="http://schemas.openxmlformats.org/drawingml/2006/main" uniqueId="urn:microsoft.com/office/officeart/2018/2/layout/IconVerticalSolidList">
+  <dgm:title val="Icon Vertical Solid List"/>
+  <dgm:desc val="Use to show a series of visuals from top to bottom with Level 1 or Level 1 and Level 2 text grouped in a shape. Works best with icons or small pictures with lengthier descriptions."/>
+  <dgm:catLst>
+    <dgm:cat type="icon" pri="500"/>
+  </dgm:catLst>
+  <dgm:sampData useDef="1">
+    <dgm:dataModel>
+      <dgm:ptLst/>
+      <dgm:bg/>
+      <dgm:whole/>
+    </dgm:dataModel>
+  </dgm:sampData>
+  <dgm:styleData useDef="1">
+    <dgm:dataModel>
+      <dgm:ptLst/>
+      <dgm:bg/>
+      <dgm:whole/>
+    </dgm:dataModel>
+  </dgm:styleData>
+  <dgm:clrData useDef="1">
+    <dgm:dataModel>
+      <dgm:ptLst/>
+      <dgm:bg/>
+      <dgm:whole/>
+    </dgm:dataModel>
+  </dgm:clrData>
+  <dgm:layoutNode name="root">
+    <dgm:varLst>
+      <dgm:dir/>
+      <dgm:resizeHandles val="exact"/>
+    </dgm:varLst>
+    <dgm:choose name="Name0">
+      <dgm:if name="Name1" axis="self" func="var" arg="dir" op="equ" val="norm">
+        <dgm:alg type="lin">
+          <dgm:param type="linDir" val="fromT"/>
+          <dgm:param type="nodeHorzAlign" val="l"/>
+        </dgm:alg>
+      </dgm:if>
+      <dgm:else name="Name2">
+        <dgm:alg type="lin">
+          <dgm:param type="linDir" val="fromT"/>
+          <dgm:param type="nodeHorzAlign" val="r"/>
+        </dgm:alg>
+      </dgm:else>
+    </dgm:choose>
+    <dgm:shape xmlns:r="http://schemas.openxmlformats.org/officeDocument/2006/relationships" r:blip="">
+      <dgm:adjLst/>
+    </dgm:shape>
+    <dgm:presOf/>
+    <dgm:choose name="Name3">
+      <dgm:if name="Name4" axis="ch" ptType="node" func="cnt" op="lte" val="3">
+        <dgm:constrLst>
+          <dgm:constr type="h" for="ch" forName="compNode" refType="h" fact="0.3"/>
+          <dgm:constr type="w" for="ch" forName="compNode" refType="w"/>
+          <dgm:constr type="h" for="ch" forName="sibTrans" refType="h" refFor="ch" refForName="compNode" fact="0.25"/>
+          <dgm:constr type="primFontSz" for="des" forName="parTx" val="25"/>
+          <dgm:constr type="primFontSz" for="des" forName="desTx" refType="primFontSz" refFor="des" refForName="parTx" op="lte" fact="0.75"/>
+          <dgm:constr type="h" for="des" forName="compNode" op="equ"/>
+          <dgm:constr type="h" for="des" forName="bgRect" op="equ"/>
+          <dgm:constr type="h" for="des" forName="iconRect" op="equ"/>
+          <dgm:constr type="w" for="des" forName="iconRect" op="equ"/>
+          <dgm:constr type="h" for="des" forName="spaceRect" op="equ"/>
+          <dgm:constr type="h" for="des" forName="parTx" op="equ"/>
+          <dgm:constr type="h" for="des" forName="desTx" op="equ"/>
+        </dgm:constrLst>
+      </dgm:if>
+      <dgm:if name="Name5" axis="ch" ptType="node" func="cnt" op="lte" val="4">
+        <dgm:constrLst>
+          <dgm:constr type="h" for="ch" forName="compNode" refType="h" fact="0.3"/>
+          <dgm:constr type="w" for="ch" forName="compNode" refType="w"/>
+          <dgm:constr type="h" for="ch" forName="sibTrans" refType="h" refFor="ch" refForName="compNode" fact="0.25"/>
+          <dgm:constr type="primFontSz" for="des" forName="parTx" val="22"/>
+          <dgm:constr type="primFontSz" for="des" forName="desTx" refType="primFontSz" refFor="des" refForName="parTx" op="lte" fact="0.75"/>
+          <dgm:constr type="h" for="des" forName="compNode" op="equ"/>
+          <dgm:constr type="h" for="des" forName="bgRect" op="equ"/>
+          <dgm:constr type="h" for="des" forName="iconRect" op="equ"/>
+          <dgm:constr type="w" for="des" forName="iconRect" op="equ"/>
+          <dgm:constr type="h" for="des" forName="spaceRect" op="equ"/>
+          <dgm:constr type="h" for="des" forName="parTx" op="equ"/>
+          <dgm:constr type="h" for="des" forName="desTx" op="equ"/>
+        </dgm:constrLst>
+      </dgm:if>
+      <dgm:if name="Name6" axis="ch" ptType="node" func="cnt" op="lte" val="6">
+        <dgm:constrLst>
+          <dgm:constr type="h" for="ch" forName="compNode" refType="h" fact="0.3"/>
+          <dgm:constr type="w" for="ch" forName="compNode" refType="w"/>
+          <dgm:constr type="h" for="ch" forName="sibTrans" refType="h" refFor="ch" refForName="compNode" fact="0.25"/>
+          <dgm:constr type="primFontSz" for="des" forName="parTx" val="19"/>
+          <dgm:constr type="primFontSz" for="des" forName="desTx" refType="primFontSz" refFor="des" refForName="parTx" op="lte" fact="0.75"/>
+          <dgm:constr type="h" for="des" forName="compNode" op="equ"/>
+          <dgm:constr type="h" for="des" forName="bgRect" op="equ"/>
+          <dgm:constr type="h" for="des" forName="iconRect" op="equ"/>
+          <dgm:constr type="w" for="des" forName="iconRect" op="equ"/>
+          <dgm:constr type="h" for="des" forName="spaceRect" op="equ"/>
+          <dgm:constr type="h" for="des" forName="parTx" op="equ"/>
+          <dgm:constr type="h" for="des" forName="desTx" op="equ"/>
+        </dgm:constrLst>
+      </dgm:if>
+      <dgm:else name="Name7">
+        <dgm:constrLst>
+          <dgm:constr type="h" for="ch" forName="compNode" refType="h" fact="0.3"/>
+          <dgm:constr type="w" for="ch" forName="compNode" refType="w"/>
+          <dgm:constr type="h" for="ch" forName="sibTrans" refType="h" refFor="ch" refForName="compNode" fact="0.25"/>
+          <dgm:constr type="primFontSz" for="des" forName="parTx" val="16"/>
+          <dgm:constr type="primFontSz" for="des" forName="desTx" refType="primFontSz" refFor="des" refForName="parTx" op="lte" fact="0.75"/>
+          <dgm:constr type="h" for="des" forName="compNode" op="equ"/>
+          <dgm:constr type="h" for="des" forName="bgRect" op="equ"/>
+          <dgm:constr type="h" for="des" forName="iconRect" op="equ"/>
+          <dgm:constr type="w" for="des" forName="iconRect" op="equ"/>
+          <dgm:constr type="h" for="des" forName="spaceRect" op="equ"/>
+          <dgm:constr type="h" for="des" forName="parTx" op="equ"/>
+          <dgm:constr type="h" for="des" forName="desTx" op="equ"/>
+        </dgm:constrLst>
+      </dgm:else>
+    </dgm:choose>
+    <dgm:ruleLst>
+      <dgm:rule type="h" for="ch" forName="compNode" val="0" fact="NaN" max="NaN"/>
+    </dgm:ruleLst>
+    <dgm:forEach name="Name8" axis="ch" ptType="node">
+      <dgm:layoutNode name="compNode">
+        <dgm:alg type="composite"/>
+        <dgm:shape xmlns:r="http://schemas.openxmlformats.org/officeDocument/2006/relationships" r:blip="">
+          <dgm:adjLst/>
+        </dgm:shape>
+        <dgm:presOf axis="self"/>
+        <dgm:choose name="Name9">
+          <dgm:if name="Name10" axis="ch" ptType="node" func="cnt" op="gte" val="1">
+            <dgm:constrLst>
+              <dgm:constr type="w" for="ch" forName="bgRect" refType="w"/>
+              <dgm:constr type="h" for="ch" forName="bgRect" refType="h"/>
+              <dgm:constr type="l" for="ch" forName="bgRect"/>
+              <dgm:constr type="t" for="ch" forName="bgRect"/>
+              <dgm:constr type="h" for="ch" forName="iconRect" refType="h" fact="0.55"/>
+              <dgm:constr type="w" for="ch" forName="iconRect" refType="h" refFor="ch" refForName="iconRect"/>
+              <dgm:constr type="l" for="ch" forName="iconRect" refType="h" refFor="ch" refForName="iconRect" fact="0.55"/>
+              <dgm:constr type="ctrY" for="ch" forName="iconRect" refType="ctrY" refFor="ch" refForName="bgRect"/>
+              <dgm:constr type="w" for="ch" forName="spaceRect" refType="l" refFor="ch" refForName="iconRect"/>
+              <dgm:constr type="h" for="ch" forName="spaceRect" refType="h"/>
+              <dgm:constr type="l" for="ch" forName="spaceRect" refType="r" refFor="ch" refForName="iconRect"/>
+              <dgm:constr type="t" for="ch" forName="spaceRect"/>
+              <dgm:constr type="w" for="ch" forName="parTx" refType="w" fact="0.45"/>
+              <dgm:constr type="h" for="ch" forName="parTx" refType="h"/>
+              <dgm:constr type="l" for="ch" forName="parTx" refType="r" refFor="ch" refForName="spaceRect"/>
+              <dgm:constr type="t" for="ch" forName="parTx"/>
+              <dgm:constr type="h" for="ch" forName="desTx" refType="h"/>
+              <dgm:constr type="l" for="ch" forName="desTx" refType="r" refFor="ch" refForName="parTx"/>
+              <dgm:constr type="t" for="ch" forName="desTx"/>
+            </dgm:constrLst>
+          </dgm:if>
+          <dgm:else name="Name11">
+            <dgm:constrLst>
+              <dgm:constr type="w" for="ch" forName="bgRect" refType="w"/>
+              <dgm:constr type="h" for="ch" forName="bgRect" refType="h"/>
+              <dgm:constr type="l" for="ch" forName="bgRect"/>
+              <dgm:constr type="t" for="ch" forName="bgRect"/>
+              <dgm:constr type="h" for="ch" forName="iconRect" refType="h" fact="0.55"/>
+              <dgm:constr type="w" for="ch" forName="iconRect" refType="h" refFor="ch" refForName="iconRect"/>
+              <dgm:constr type="l" for="ch" forName="iconRect" refType="h" refFor="ch" refForName="iconRect" fact="0.55"/>
+              <dgm:constr type="ctrY" for="ch" forName="iconRect" refType="ctrY" refFor="ch" refForName="bgRect"/>
+              <dgm:constr type="w" for="ch" forName="spaceRect" refType="l" refFor="ch" refForName="iconRect"/>
+              <dgm:constr type="h" for="ch" forName="spaceRect" refType="h"/>
+              <dgm:constr type="l" for="ch" forName="spaceRect" refType="r" refFor="ch" refForName="iconRect"/>
+              <dgm:constr type="t" for="ch" forName="spaceRect"/>
+              <dgm:constr type="h" for="ch" forName="parTx" refType="h"/>
+              <dgm:constr type="l" for="ch" forName="parTx" refType="r" refFor="ch" refForName="spaceRect"/>
+              <dgm:constr type="t" for="ch" forName="parTx"/>
+            </dgm:constrLst>
+          </dgm:else>
+        </dgm:choose>
+        <dgm:ruleLst>
+          <dgm:rule type="h" val="INF" fact="NaN" max="NaN"/>
+        </dgm:ruleLst>
+        <dgm:layoutNode name="bgRect" styleLbl="bgShp">
+          <dgm:alg type="sp"/>
+          <dgm:shape xmlns:r="http://schemas.openxmlformats.org/officeDocument/2006/relationships" type="roundRect" r:blip="">
+            <dgm:adjLst>
+              <dgm:adj idx="1" val="0.1"/>
+            </dgm:adjLst>
+          </dgm:shape>
+          <dgm:presOf/>
+          <dgm:constrLst/>
+          <dgm:ruleLst/>
+        </dgm:layoutNode>
+        <dgm:layoutNode name="iconRect" styleLbl="node1">
+          <dgm:alg type="sp"/>
+          <dgm:shape xmlns:r="http://schemas.openxmlformats.org/officeDocument/2006/relationships" type="rect" r:blip="" blipPhldr="1">
+            <dgm:adjLst/>
+          </dgm:shape>
+          <dgm:presOf/>
+          <dgm:constrLst/>
+          <dgm:ruleLst/>
+        </dgm:layoutNode>
+        <dgm:layoutNode name="spaceRect">
+          <dgm:alg type="sp"/>
+          <dgm:shape xmlns:r="http://schemas.openxmlformats.org/officeDocument/2006/relationships" r:blip="">
+            <dgm:adjLst/>
+          </dgm:shape>
+          <dgm:presOf/>
+          <dgm:constrLst/>
+          <dgm:ruleLst/>
+        </dgm:layoutNode>
+        <dgm:layoutNode name="parTx" styleLbl="revTx">
+          <dgm:varLst>
+            <dgm:chMax val="0"/>
+            <dgm:chPref val="0"/>
+          </dgm:varLst>
+          <dgm:alg type="tx">
+            <dgm:param type="txAnchorVert" val="mid"/>
+            <dgm:param type="parTxLTRAlign" val="l"/>
+            <dgm:param type="shpTxLTRAlignCh" val="l"/>
+            <dgm:param type="parTxRTLAlign" val="r"/>
+            <dgm:param type="shpTxRTLAlignCh" val="r"/>
+          </dgm:alg>
+          <dgm:shape xmlns:r="http://schemas.openxmlformats.org/officeDocument/2006/relationships" type="rect" r:blip="">
+            <dgm:adjLst/>
+          </dgm:shape>
+          <dgm:presOf axis="self" ptType="node"/>
+          <dgm:constrLst>
+            <dgm:constr type="lMarg" refType="h" fact="0.3"/>
+            <dgm:constr type="rMarg" refType="h" fact="0.3"/>
+            <dgm:constr type="tMarg" refType="h" fact="0.3"/>
+            <dgm:constr type="bMarg" refType="h" fact="0.3"/>
+          </dgm:constrLst>
+          <dgm:ruleLst>
+            <dgm:rule type="primFontSz" val="14" fact="NaN" max="NaN"/>
+            <dgm:rule type="h" val="INF" fact="NaN" max="NaN"/>
+          </dgm:ruleLst>
+        </dgm:layoutNode>
+        <dgm:choose name="Name12">
+          <dgm:if name="Name13" axis="ch" ptType="node" func="cnt" op="gte" val="1">
+            <dgm:layoutNode name="desTx" styleLbl="revTx">
+              <dgm:varLst/>
+              <dgm:alg type="tx">
+                <dgm:param type="txAnchorVertCh" val="mid"/>
+                <dgm:param type="parTxLTRAlign" val="l"/>
+                <dgm:param type="shpTxLTRAlignCh" val="l"/>
+                <dgm:param type="parTxRTLAlign" val="r"/>
+                <dgm:param type="shpTxRTLAlignCh" val="r"/>
+                <dgm:param type="stBulletLvl" val="0"/>
+              </dgm:alg>
+              <dgm:shape xmlns:r="http://schemas.openxmlformats.org/officeDocument/2006/relationships" type="rect" r:blip="">
+                <dgm:adjLst/>
+              </dgm:shape>
+              <dgm:presOf axis="des" ptType="node"/>
+              <dgm:constrLst>
+                <dgm:constr type="primFontSz" val="18"/>
+                <dgm:constr type="secFontSz" refType="primFontSz"/>
+                <dgm:constr type="lMarg" refType="h" fact="0.3"/>
+                <dgm:constr type="rMarg" refType="h" fact="0.3"/>
+                <dgm:constr type="tMarg" refType="h" fact="0.3"/>
+                <dgm:constr type="bMarg" refType="h" fact="0.3"/>
+              </dgm:constrLst>
+              <dgm:ruleLst>
+                <dgm:rule type="primFontSz" val="11" fact="NaN" max="NaN"/>
+              </dgm:ruleLst>
+            </dgm:layoutNode>
+          </dgm:if>
+          <dgm:else name="Name14"/>
+        </dgm:choose>
+      </dgm:layoutNode>
+      <dgm:forEach name="Name15" axis="followSib" ptType="sibTrans" cnt="1">
+        <dgm:layoutNode name="sibTrans">
+          <dgm:alg type="sp"/>
+          <dgm:shape xmlns:r="http://schemas.openxmlformats.org/officeDocument/2006/relationships" r:blip="">
+            <dgm:adjLst/>
+          </dgm:shape>
+          <dgm:presOf axis="self"/>
+          <dgm:constrLst/>
+          <dgm:ruleLst/>
+        </dgm:layoutNode>
+      </dgm:forEach>
+    </dgm:forEach>
+  </dgm:layoutNode>
+  <dgm:extLst>
+    <a:ext uri="{68A01E43-0DF5-4B5B-8FA6-DAF915123BFB}">
+      <dgm1612:lstStyle xmlns:dgm1612="http://schemas.microsoft.com/office/drawing/2016/12/diagram">
+        <a:lvl1pPr>
+          <a:lnSpc>
+            <a:spcPct val="100000"/>
+          </a:lnSpc>
+        </a:lvl1pPr>
+        <a:lvl2pPr>
+          <a:lnSpc>
+            <a:spcPct val="100000"/>
+          </a:lnSpc>
+        </a:lvl2pPr>
+      </dgm1612:lstStyle>
+    </a:ext>
+  </dgm:extLst>
+</dgm:layoutDef>
+</file>
+
+<file path=ppt/diagrams/quickStyle1.xml><?xml version="1.0" encoding="utf-8"?>
+<dgm:styleDef xmlns:dgm="http://schemas.openxmlformats.org/drawingml/2006/diagram" xmlns:a="http://schemas.openxmlformats.org/drawingml/2006/main" uniqueId="urn:microsoft.com/office/officeart/2005/8/quickstyle/simple1">
+  <dgm:title val=""/>
+  <dgm:desc val=""/>
+  <dgm:catLst>
+    <dgm:cat type="simple" pri="10100"/>
+  </dgm:catLst>
+  <dgm:scene3d>
+    <a:camera prst="orthographicFront"/>
+    <a:lightRig rig="threePt" dir="t"/>
+  </dgm:scene3d>
+  <dgm:styleLbl name="node0">
+    <dgm:scene3d>
+      <a:camera prst="orthographicFront"/>
+      <a:lightRig rig="threePt" dir="t"/>
+    </dgm:scene3d>
+    <dgm:sp3d/>
+    <dgm:txPr/>
+    <dgm:style>
+      <a:lnRef idx="2">
+        <a:scrgbClr r="0" g="0" b="0"/>
+      </a:lnRef>
+      <a:fillRef idx="1">
+        <a:scrgbClr r="0" g="0" b="0"/>
+      </a:fillRef>
+      <a:effectRef idx="0">
+        <a:scrgbClr r="0" g="0" b="0"/>
+      </a:effectRef>
+      <a:fontRef idx="minor">
+        <a:schemeClr val="lt1"/>
+      </a:fontRef>
+    </dgm:style>
+  </dgm:styleLbl>
+  <dgm:styleLbl name="lnNode1">
+    <dgm:scene3d>
+      <a:camera prst="orthographicFront"/>
+      <a:lightRig rig="threePt" dir="t"/>
+    </dgm:scene3d>
+    <dgm:sp3d/>
+    <dgm:txPr/>
+    <dgm:style>
+      <a:lnRef idx="2">
+        <a:scrgbClr r="0" g="0" b="0"/>
+      </a:lnRef>
+      <a:fillRef idx="1">
+        <a:scrgbClr r="0" g="0" b="0"/>
+      </a:fillRef>
+      <a:effectRef idx="0">
+        <a:scrgbClr r="0" g="0" b="0"/>
+      </a:effectRef>
+      <a:fontRef idx="minor">
+        <a:schemeClr val="lt1"/>
+      </a:fontRef>
+    </dgm:style>
+  </dgm:styleLbl>
+  <dgm:styleLbl name="vennNode1">
+    <dgm:scene3d>
+      <a:camera prst="orthographicFront"/>
+      <a:lightRig rig="threePt" dir="t"/>
+    </dgm:scene3d>
+    <dgm:sp3d/>
+    <dgm:txPr/>
+    <dgm:style>
+      <a:lnRef idx="2">
+        <a:scrgbClr r="0" g="0" b="0"/>
+      </a:lnRef>
+      <a:fillRef idx="1">
+        <a:scrgbClr r="0" g="0" b="0"/>
+      </a:fillRef>
+      <a:effectRef idx="0">
+        <a:scrgbClr r="0" g="0" b="0"/>
+      </a:effectRef>
+      <a:fontRef idx="minor">
+        <a:schemeClr val="tx1"/>
+      </a:fontRef>
+    </dgm:style>
+  </dgm:styleLbl>
+  <dgm:styleLbl name="alignNode1">
+    <dgm:scene3d>
+      <a:camera prst="orthographicFront"/>
+      <a:lightRig rig="threePt" dir="t"/>
+    </dgm:scene3d>
+    <dgm:sp3d/>
+    <dgm:txPr/>
+    <dgm:style>
+      <a:lnRef idx="2">
+        <a:scrgbClr r="0" g="0" b="0"/>
+      </a:lnRef>
+      <a:fillRef idx="1">
+        <a:scrgbClr r="0" g="0" b="0"/>
+      </a:fillRef>
+      <a:effectRef idx="0">
+        <a:scrgbClr r="0" g="0" b="0"/>
+      </a:effectRef>
+      <a:fontRef idx="minor">
+        <a:schemeClr val="lt1"/>
+      </a:fontRef>
+    </dgm:style>
+  </dgm:styleLbl>
+  <dgm:styleLbl name="node1">
+    <dgm:scene3d>
+      <a:camera prst="orthographicFront"/>
+      <a:lightRig rig="threePt" dir="t"/>
+    </dgm:scene3d>
+    <dgm:sp3d/>
+    <dgm:txPr/>
+    <dgm:style>
+      <a:lnRef idx="2">
+        <a:scrgbClr r="0" g="0" b="0"/>
+      </a:lnRef>
+      <a:fillRef idx="1">
+        <a:scrgbClr r="0" g="0" b="0"/>
+      </a:fillRef>
+      <a:effectRef idx="0">
+        <a:scrgbClr r="0" g="0" b="0"/>
+      </a:effectRef>
+      <a:fontRef idx="minor">
+        <a:schemeClr val="lt1"/>
+      </a:fontRef>
+    </dgm:style>
+  </dgm:styleLbl>
+  <dgm:styleLbl name="node2">
+    <dgm:scene3d>
+      <a:camera prst="orthographicFront"/>
+      <a:lightRig rig="threePt" dir="t"/>
+    </dgm:scene3d>
+    <dgm:sp3d/>
+    <dgm:txPr/>
+    <dgm:style>
+      <a:lnRef idx="2">
+        <a:scrgbClr r="0" g="0" b="0"/>
+      </a:lnRef>
+      <a:fillRef idx="1">
+        <a:scrgbClr r="0" g="0" b="0"/>
+      </a:fillRef>
+      <a:effectRef idx="0">
+        <a:scrgbClr r="0" g="0" b="0"/>
+      </a:effectRef>
+      <a:fontRef idx="minor">
+        <a:schemeClr val="lt1"/>
+      </a:fontRef>
+    </dgm:style>
+  </dgm:styleLbl>
+  <dgm:styleLbl name="node3">
+    <dgm:scene3d>
+      <a:camera prst="orthographicFront"/>
+      <a:lightRig rig="threePt" dir="t"/>
+    </dgm:scene3d>
+    <dgm:sp3d/>
+    <dgm:txPr/>
+    <dgm:style>
+      <a:lnRef idx="2">
+        <a:scrgbClr r="0" g="0" b="0"/>
+      </a:lnRef>
+      <a:fillRef idx="1">
+        <a:scrgbClr r="0" g="0" b="0"/>
+      </a:fillRef>
+      <a:effectRef idx="0">
+        <a:scrgbClr r="0" g="0" b="0"/>
+      </a:effectRef>
+      <a:fontRef idx="minor">
+        <a:schemeClr val="lt1"/>
+      </a:fontRef>
+    </dgm:style>
+  </dgm:styleLbl>
+  <dgm:styleLbl name="node4">
+    <dgm:scene3d>
+      <a:camera prst="orthographicFront"/>
+      <a:lightRig rig="threePt" dir="t"/>
+    </dgm:scene3d>
+    <dgm:sp3d/>
+    <dgm:txPr/>
+    <dgm:style>
+      <a:lnRef idx="2">
+        <a:scrgbClr r="0" g="0" b="0"/>
+      </a:lnRef>
+      <a:fillRef idx="1">
+        <a:scrgbClr r="0" g="0" b="0"/>
+      </a:fillRef>
+      <a:effectRef idx="0">
+        <a:scrgbClr r="0" g="0" b="0"/>
+      </a:effectRef>
+      <a:fontRef idx="minor">
+        <a:schemeClr val="lt1"/>
+      </a:fontRef>
+    </dgm:style>
+  </dgm:styleLbl>
+  <dgm:styleLbl name="fgImgPlace1">
+    <dgm:scene3d>
+      <a:camera prst="orthographicFront"/>
+      <a:lightRig rig="threePt" dir="t"/>
+    </dgm:scene3d>
+    <dgm:sp3d/>
+    <dgm:txPr/>
+    <dgm:style>
+      <a:lnRef idx="2">
+        <a:scrgbClr r="0" g="0" b="0"/>
+      </a:lnRef>
+      <a:fillRef idx="1">
+        <a:scrgbClr r="0" g="0" b="0"/>
+      </a:fillRef>
+      <a:effectRef idx="0">
+        <a:scrgbClr r="0" g="0" b="0"/>
+      </a:effectRef>
+      <a:fontRef idx="minor"/>
+    </dgm:style>
+  </dgm:styleLbl>
+  <dgm:styleLbl name="alignImgPlace1">
+    <dgm:scene3d>
+      <a:camera prst="orthographicFront"/>
+      <a:lightRig rig="threePt" dir="t"/>
+    </dgm:scene3d>
+    <dgm:sp3d/>
+    <dgm:txPr/>
+    <dgm:style>
+      <a:lnRef idx="2">
+        <a:scrgbClr r="0" g="0" b="0"/>
+      </a:lnRef>
+      <a:fillRef idx="1">
+        <a:scrgbClr r="0" g="0" b="0"/>
+      </a:fillRef>
+      <a:effectRef idx="0">
+        <a:scrgbClr r="0" g="0" b="0"/>
+      </a:effectRef>
+      <a:fontRef idx="minor"/>
+    </dgm:style>
+  </dgm:styleLbl>
+  <dgm:styleLbl name="bgImgPlace1">
+    <dgm:scene3d>
+      <a:camera prst="orthographicFront"/>
+      <a:lightRig rig="threePt" dir="t"/>
+    </dgm:scene3d>
+    <dgm:sp3d/>
+    <dgm:txPr/>
+    <dgm:style>
+      <a:lnRef idx="2">
+        <a:scrgbClr r="0" g="0" b="0"/>
+      </a:lnRef>
+      <a:fillRef idx="1">
+        <a:scrgbClr r="0" g="0" b="0"/>
+      </a:fillRef>
+      <a:effectRef idx="0">
+        <a:scrgbClr r="0" g="0" b="0"/>
+      </a:effectRef>
+      <a:fontRef idx="minor"/>
+    </dgm:style>
+  </dgm:styleLbl>
+  <dgm:styleLbl name="sibTrans2D1">
+    <dgm:scene3d>
+      <a:camera prst="orthographicFront"/>
+      <a:lightRig rig="threePt" dir="t"/>
+    </dgm:scene3d>
+    <dgm:sp3d/>
+    <dgm:txPr/>
+    <dgm:style>
+      <a:lnRef idx="0">
+        <a:scrgbClr r="0" g="0" b="0"/>
+      </a:lnRef>
+      <a:fillRef idx="1">
+        <a:scrgbClr r="0" g="0" b="0"/>
+      </a:fillRef>
+      <a:effectRef idx="0">
+        <a:scrgbClr r="0" g="0" b="0"/>
+      </a:effectRef>
+      <a:fontRef idx="minor">
+        <a:schemeClr val="lt1"/>
+      </a:fontRef>
+    </dgm:style>
+  </dgm:styleLbl>
+  <dgm:styleLbl name="fgSibTrans2D1">
+    <dgm:scene3d>
+      <a:camera prst="orthographicFront"/>
+      <a:lightRig rig="threePt" dir="t"/>
+    </dgm:scene3d>
+    <dgm:sp3d/>
+    <dgm:txPr/>
+    <dgm:style>
+      <a:lnRef idx="0">
+        <a:scrgbClr r="0" g="0" b="0"/>
+      </a:lnRef>
+      <a:fillRef idx="1">
+        <a:scrgbClr r="0" g="0" b="0"/>
+      </a:fillRef>
+      <a:effectRef idx="0">
+        <a:scrgbClr r="0" g="0" b="0"/>
+      </a:effectRef>
+      <a:fontRef idx="minor">
+        <a:schemeClr val="lt1"/>
+      </a:fontRef>
+    </dgm:style>
+  </dgm:styleLbl>
+  <dgm:styleLbl name="bgSibTrans2D1">
+    <dgm:scene3d>
+      <a:camera prst="orthographicFront"/>
+      <a:lightRig rig="threePt" dir="t"/>
+    </dgm:scene3d>
+    <dgm:sp3d/>
+    <dgm:txPr/>
+    <dgm:style>
+      <a:lnRef idx="0">
+        <a:scrgbClr r="0" g="0" b="0"/>
+      </a:lnRef>
+      <a:fillRef idx="1">
+        <a:scrgbClr r="0" g="0" b="0"/>
+      </a:fillRef>
+      <a:effectRef idx="0">
+        <a:scrgbClr r="0" g="0" b="0"/>
+      </a:effectRef>
+      <a:fontRef idx="minor">
+        <a:schemeClr val="lt1"/>
+      </a:fontRef>
+    </dgm:style>
+  </dgm:styleLbl>
+  <dgm:styleLbl name="sibTrans1D1">
+    <dgm:scene3d>
+      <a:camera prst="orthographicFront"/>
+      <a:lightRig rig="threePt" dir="t"/>
+    </dgm:scene3d>
+    <dgm:sp3d/>
+    <dgm:txPr/>
+    <dgm:style>
+      <a:lnRef idx="1">
+        <a:scrgbClr r="0" g="0" b="0"/>
+      </a:lnRef>
+      <a:fillRef idx="0">
+        <a:scrgbClr r="0" g="0" b="0"/>
+      </a:fillRef>
+      <a:effectRef idx="0">
+        <a:scrgbClr r="0" g="0" b="0"/>
+      </a:effectRef>
+      <a:fontRef idx="minor"/>
+    </dgm:style>
+  </dgm:styleLbl>
+  <dgm:styleLbl name="callout">
+    <dgm:scene3d>
+      <a:camera prst="orthographicFront"/>
+      <a:lightRig rig="threePt" dir="t"/>
+    </dgm:scene3d>
+    <dgm:sp3d/>
+    <dgm:txPr/>
+    <dgm:style>
+      <a:lnRef idx="2">
+        <a:scrgbClr r="0" g="0" b="0"/>
+      </a:lnRef>
+      <a:fillRef idx="1">
+        <a:scrgbClr r="0" g="0" b="0"/>
+      </a:fillRef>
+      <a:effectRef idx="0">
+        <a:scrgbClr r="0" g="0" b="0"/>
+      </a:effectRef>
+      <a:fontRef idx="minor"/>
+    </dgm:style>
+  </dgm:styleLbl>
+  <dgm:styleLbl name="asst0">
+    <dgm:scene3d>
+      <a:camera prst="orthographicFront"/>
+      <a:lightRig rig="threePt" dir="t"/>
+    </dgm:scene3d>
+    <dgm:sp3d/>
+    <dgm:txPr/>
+    <dgm:style>
+      <a:lnRef idx="2">
+        <a:scrgbClr r="0" g="0" b="0"/>
+      </a:lnRef>
+      <a:fillRef idx="1">
+        <a:scrgbClr r="0" g="0" b="0"/>
+      </a:fillRef>
+      <a:effectRef idx="0">
+        <a:scrgbClr r="0" g="0" b="0"/>
+      </a:effectRef>
+      <a:fontRef idx="minor">
+        <a:schemeClr val="lt1"/>
+      </a:fontRef>
+    </dgm:style>
+  </dgm:styleLbl>
+  <dgm:styleLbl name="asst1">
+    <dgm:scene3d>
+      <a:camera prst="orthographicFront"/>
+      <a:lightRig rig="threePt" dir="t"/>
+    </dgm:scene3d>
+    <dgm:sp3d/>
+    <dgm:txPr/>
+    <dgm:style>
+      <a:lnRef idx="2">
+        <a:scrgbClr r="0" g="0" b="0"/>
+      </a:lnRef>
+      <a:fillRef idx="1">
+        <a:scrgbClr r="0" g="0" b="0"/>
+      </a:fillRef>
+      <a:effectRef idx="0">
+        <a:scrgbClr r="0" g="0" b="0"/>
+      </a:effectRef>
+      <a:fontRef idx="minor">
+        <a:schemeClr val="lt1"/>
+      </a:fontRef>
+    </dgm:style>
+  </dgm:styleLbl>
+  <dgm:styleLbl name="asst2">
+    <dgm:scene3d>
+      <a:camera prst="orthographicFront"/>
+      <a:lightRig rig="threePt" dir="t"/>
+    </dgm:scene3d>
+    <dgm:sp3d/>
+    <dgm:txPr/>
+    <dgm:style>
+      <a:lnRef idx="2">
+        <a:scrgbClr r="0" g="0" b="0"/>
+      </a:lnRef>
+      <a:fillRef idx="1">
+        <a:scrgbClr r="0" g="0" b="0"/>
+      </a:fillRef>
+      <a:effectRef idx="0">
+        <a:scrgbClr r="0" g="0" b="0"/>
+      </a:effectRef>
+      <a:fontRef idx="minor">
+        <a:schemeClr val="lt1"/>
+      </a:fontRef>
+    </dgm:style>
+  </dgm:styleLbl>
+  <dgm:styleLbl name="asst3">
+    <dgm:scene3d>
+      <a:camera prst="orthographicFront"/>
+      <a:lightRig rig="threePt" dir="t"/>
+    </dgm:scene3d>
+    <dgm:sp3d/>
+    <dgm:txPr/>
+    <dgm:style>
+      <a:lnRef idx="2">
+        <a:scrgbClr r="0" g="0" b="0"/>
+      </a:lnRef>
+      <a:fillRef idx="1">
+        <a:scrgbClr r="0" g="0" b="0"/>
+      </a:fillRef>
+      <a:effectRef idx="0">
+        <a:scrgbClr r="0" g="0" b="0"/>
+      </a:effectRef>
+      <a:fontRef idx="minor">
+        <a:schemeClr val="lt1"/>
+      </a:fontRef>
+    </dgm:style>
+  </dgm:styleLbl>
+  <dgm:styleLbl name="asst4">
+    <dgm:scene3d>
+      <a:camera prst="orthographicFront"/>
+      <a:lightRig rig="threePt" dir="t"/>
+    </dgm:scene3d>
+    <dgm:sp3d/>
+    <dgm:txPr/>
+    <dgm:style>
+      <a:lnRef idx="2">
+        <a:scrgbClr r="0" g="0" b="0"/>
+      </a:lnRef>
+      <a:fillRef idx="1">
+        <a:scrgbClr r="0" g="0" b="0"/>
+      </a:fillRef>
+      <a:effectRef idx="0">
+        <a:scrgbClr r="0" g="0" b="0"/>
+      </a:effectRef>
+      <a:fontRef idx="minor">
+        <a:schemeClr val="lt1"/>
+      </a:fontRef>
+    </dgm:style>
+  </dgm:styleLbl>
+  <dgm:styleLbl name="parChTrans2D1">
+    <dgm:scene3d>
+      <a:camera prst="orthographicFront"/>
+      <a:lightRig rig="threePt" dir="t"/>
+    </dgm:scene3d>
+    <dgm:sp3d/>
+    <dgm:txPr/>
+    <dgm:style>
+      <a:lnRef idx="2">
+        <a:scrgbClr r="0" g="0" b="0"/>
+      </a:lnRef>
+      <a:fillRef idx="1">
+        <a:scrgbClr r="0" g="0" b="0"/>
+      </a:fillRef>
+      <a:effectRef idx="0">
+        <a:scrgbClr r="0" g="0" b="0"/>
+      </a:effectRef>
+      <a:fontRef idx="minor">
+        <a:schemeClr val="lt1"/>
+      </a:fontRef>
+    </dgm:style>
+  </dgm:styleLbl>
+  <dgm:styleLbl name="parChTrans2D2">
+    <dgm:scene3d>
+      <a:camera prst="orthographicFront"/>
+      <a:lightRig rig="threePt" dir="t"/>
+    </dgm:scene3d>
+    <dgm:sp3d/>
+    <dgm:txPr/>
+    <dgm:style>
+      <a:lnRef idx="2">
+        <a:scrgbClr r="0" g="0" b="0"/>
+      </a:lnRef>
+      <a:fillRef idx="1">
+        <a:scrgbClr r="0" g="0" b="0"/>
+      </a:fillRef>
+      <a:effectRef idx="0">
+        <a:scrgbClr r="0" g="0" b="0"/>
+      </a:effectRef>
+      <a:fontRef idx="minor">
+        <a:schemeClr val="lt1"/>
+      </a:fontRef>
+    </dgm:style>
+  </dgm:styleLbl>
+  <dgm:styleLbl name="parChTrans2D3">
+    <dgm:scene3d>
+      <a:camera prst="orthographicFront"/>
+      <a:lightRig rig="threePt" dir="t"/>
+    </dgm:scene3d>
+    <dgm:sp3d/>
+    <dgm:txPr/>
+    <dgm:style>
+      <a:lnRef idx="2">
+        <a:scrgbClr r="0" g="0" b="0"/>
+      </a:lnRef>
+      <a:fillRef idx="1">
+        <a:scrgbClr r="0" g="0" b="0"/>
+      </a:fillRef>
+      <a:effectRef idx="0">
+        <a:scrgbClr r="0" g="0" b="0"/>
+      </a:effectRef>
+      <a:fontRef idx="minor">
+        <a:schemeClr val="lt1"/>
+      </a:fontRef>
+    </dgm:style>
+  </dgm:styleLbl>
+  <dgm:styleLbl name="parChTrans2D4">
+    <dgm:scene3d>
+      <a:camera prst="orthographicFront"/>
+      <a:lightRig rig="threePt" dir="t"/>
+    </dgm:scene3d>
+    <dgm:sp3d/>
+    <dgm:txPr/>
+    <dgm:style>
+      <a:lnRef idx="2">
+        <a:scrgbClr r="0" g="0" b="0"/>
+      </a:lnRef>
+      <a:fillRef idx="1">
+        <a:scrgbClr r="0" g="0" b="0"/>
+      </a:fillRef>
+      <a:effectRef idx="0">
+        <a:scrgbClr r="0" g="0" b="0"/>
+      </a:effectRef>
+      <a:fontRef idx="minor">
+        <a:schemeClr val="lt1"/>
+      </a:fontRef>
+    </dgm:style>
+  </dgm:styleLbl>
+  <dgm:styleLbl name="parChTrans1D1">
+    <dgm:scene3d>
+      <a:camera prst="orthographicFront"/>
+      <a:lightRig rig="threePt" dir="t"/>
+    </dgm:scene3d>
+    <dgm:sp3d/>
+    <dgm:txPr/>
+    <dgm:style>
+      <a:lnRef idx="2">
+        <a:scrgbClr r="0" g="0" b="0"/>
+      </a:lnRef>
+      <a:fillRef idx="0">
+        <a:scrgbClr r="0" g="0" b="0"/>
+      </a:fillRef>
+      <a:effectRef idx="0">
+        <a:scrgbClr r="0" g="0" b="0"/>
+      </a:effectRef>
+      <a:fontRef idx="minor"/>
+    </dgm:style>
+  </dgm:styleLbl>
+  <dgm:styleLbl name="parChTrans1D2">
+    <dgm:scene3d>
+      <a:camera prst="orthographicFront"/>
+      <a:lightRig rig="threePt" dir="t"/>
+    </dgm:scene3d>
+    <dgm:sp3d/>
+    <dgm:txPr/>
+    <dgm:style>
+      <a:lnRef idx="2">
+        <a:scrgbClr r="0" g="0" b="0"/>
+      </a:lnRef>
+      <a:fillRef idx="0">
+        <a:scrgbClr r="0" g="0" b="0"/>
+      </a:fillRef>
+      <a:effectRef idx="0">
+        <a:scrgbClr r="0" g="0" b="0"/>
+      </a:effectRef>
+      <a:fontRef idx="minor"/>
+    </dgm:style>
+  </dgm:styleLbl>
+  <dgm:styleLbl name="parChTrans1D3">
+    <dgm:scene3d>
+      <a:camera prst="orthographicFront"/>
+      <a:lightRig rig="threePt" dir="t"/>
+    </dgm:scene3d>
+    <dgm:sp3d/>
+    <dgm:txPr/>
+    <dgm:style>
+      <a:lnRef idx="2">
+        <a:scrgbClr r="0" g="0" b="0"/>
+      </a:lnRef>
+      <a:fillRef idx="0">
+        <a:scrgbClr r="0" g="0" b="0"/>
+      </a:fillRef>
+      <a:effectRef idx="0">
+        <a:scrgbClr r="0" g="0" b="0"/>
+      </a:effectRef>
+      <a:fontRef idx="minor"/>
+    </dgm:style>
+  </dgm:styleLbl>
+  <dgm:styleLbl name="parChTrans1D4">
+    <dgm:scene3d>
+      <a:camera prst="orthographicFront"/>
+      <a:lightRig rig="threePt" dir="t"/>
+    </dgm:scene3d>
+    <dgm:sp3d/>
+    <dgm:txPr/>
+    <dgm:style>
+      <a:lnRef idx="2">
+        <a:scrgbClr r="0" g="0" b="0"/>
+      </a:lnRef>
+      <a:fillRef idx="0">
+        <a:scrgbClr r="0" g="0" b="0"/>
+      </a:fillRef>
+      <a:effectRef idx="0">
+        <a:scrgbClr r="0" g="0" b="0"/>
+      </a:effectRef>
+      <a:fontRef idx="minor"/>
+    </dgm:style>
+  </dgm:styleLbl>
+  <dgm:styleLbl name="fgAcc1">
+    <dgm:scene3d>
+      <a:camera prst="orthographicFront"/>
+      <a:lightRig rig="threePt" dir="t"/>
+    </dgm:scene3d>
+    <dgm:sp3d/>
+    <dgm:txPr/>
+    <dgm:style>
+      <a:lnRef idx="2">
+        <a:scrgbClr r="0" g="0" b="0"/>
+      </a:lnRef>
+      <a:fillRef idx="1">
+        <a:scrgbClr r="0" g="0" b="0"/>
+      </a:fillRef>
+      <a:effectRef idx="0">
+        <a:scrgbClr r="0" g="0" b="0"/>
+      </a:effectRef>
+      <a:fontRef idx="minor"/>
+    </dgm:style>
+  </dgm:styleLbl>
+  <dgm:styleLbl name="conFgAcc1">
+    <dgm:scene3d>
+      <a:camera prst="orthographicFront"/>
+      <a:lightRig rig="threePt" dir="t"/>
+    </dgm:scene3d>
+    <dgm:sp3d/>
+    <dgm:txPr/>
+    <dgm:style>
+      <a:lnRef idx="2">
+        <a:scrgbClr r="0" g="0" b="0"/>
+      </a:lnRef>
+      <a:fillRef idx="1">
+        <a:scrgbClr r="0" g="0" b="0"/>
+      </a:fillRef>
+      <a:effectRef idx="0">
+        <a:scrgbClr r="0" g="0" b="0"/>
+      </a:effectRef>
+      <a:fontRef idx="minor"/>
+    </dgm:style>
+  </dgm:styleLbl>
+  <dgm:styleLbl name="alignAcc1">
+    <dgm:scene3d>
+      <a:camera prst="orthographicFront"/>
+      <a:lightRig rig="threePt" dir="t"/>
+    </dgm:scene3d>
+    <dgm:sp3d/>
+    <dgm:txPr/>
+    <dgm:style>
+      <a:lnRef idx="2">
+        <a:scrgbClr r="0" g="0" b="0"/>
+      </a:lnRef>
+      <a:fillRef idx="1">
+        <a:scrgbClr r="0" g="0" b="0"/>
+      </a:fillRef>
+      <a:effectRef idx="0">
+        <a:scrgbClr r="0" g="0" b="0"/>
+      </a:effectRef>
+      <a:fontRef idx="minor"/>
+    </dgm:style>
+  </dgm:styleLbl>
+  <dgm:styleLbl name="trAlignAcc1">
+    <dgm:scene3d>
+      <a:camera prst="orthographicFront"/>
+      <a:lightRig rig="threePt" dir="t"/>
+    </dgm:scene3d>
+    <dgm:sp3d/>
+    <dgm:txPr/>
+    <dgm:style>
+      <a:lnRef idx="1">
+        <a:scrgbClr r="0" g="0" b="0"/>
+      </a:lnRef>
+      <a:fillRef idx="1">
+        <a:scrgbClr r="0" g="0" b="0"/>
+      </a:fillRef>
+      <a:effectRef idx="0">
+        <a:scrgbClr r="0" g="0" b="0"/>
+      </a:effectRef>
+      <a:fontRef idx="minor"/>
+    </dgm:style>
+  </dgm:styleLbl>
+  <dgm:styleLbl name="bgAcc1">
+    <dgm:scene3d>
+      <a:camera prst="orthographicFront"/>
+      <a:lightRig rig="threePt" dir="t"/>
+    </dgm:scene3d>
+    <dgm:sp3d/>
+    <dgm:txPr/>
+    <dgm:style>
+      <a:lnRef idx="2">
+        <a:scrgbClr r="0" g="0" b="0"/>
+      </a:lnRef>
+      <a:fillRef idx="1">
+        <a:scrgbClr r="0" g="0" b="0"/>
+      </a:fillRef>
+      <a:effectRef idx="0">
+        <a:scrgbClr r="0" g="0" b="0"/>
+      </a:effectRef>
+      <a:fontRef idx="minor"/>
+    </dgm:style>
+  </dgm:styleLbl>
+  <dgm:styleLbl name="solidFgAcc1">
+    <dgm:scene3d>
+      <a:camera prst="orthographicFront"/>
+      <a:lightRig rig="threePt" dir="t"/>
+    </dgm:scene3d>
+    <dgm:sp3d/>
+    <dgm:txPr/>
+    <dgm:style>
+      <a:lnRef idx="2">
+        <a:scrgbClr r="0" g="0" b="0"/>
+      </a:lnRef>
+      <a:fillRef idx="1">
+        <a:scrgbClr r="0" g="0" b="0"/>
+      </a:fillRef>
+      <a:effectRef idx="0">
+        <a:scrgbClr r="0" g="0" b="0"/>
+      </a:effectRef>
+      <a:fontRef idx="minor"/>
+    </dgm:style>
+  </dgm:styleLbl>
+  <dgm:styleLbl name="solidAlignAcc1">
+    <dgm:scene3d>
+      <a:camera prst="orthographicFront"/>
+      <a:lightRig rig="threePt" dir="t"/>
+    </dgm:scene3d>
+    <dgm:sp3d/>
+    <dgm:txPr/>
+    <dgm:style>
+      <a:lnRef idx="2">
+        <a:scrgbClr r="0" g="0" b="0"/>
+      </a:lnRef>
+      <a:fillRef idx="1">
+        <a:scrgbClr r="0" g="0" b="0"/>
+      </a:fillRef>
+      <a:effectRef idx="0">
+        <a:scrgbClr r="0" g="0" b="0"/>
+      </a:effectRef>
+      <a:fontRef idx="minor"/>
+    </dgm:style>
+  </dgm:styleLbl>
+  <dgm:styleLbl name="solidBgAcc1">
+    <dgm:scene3d>
+      <a:camera prst="orthographicFront"/>
+      <a:lightRig rig="threePt" dir="t"/>
+    </dgm:scene3d>
+    <dgm:sp3d/>
+    <dgm:txPr/>
+    <dgm:style>
+      <a:lnRef idx="2">
+        <a:scrgbClr r="0" g="0" b="0"/>
+      </a:lnRef>
+      <a:fillRef idx="1">
+        <a:scrgbClr r="0" g="0" b="0"/>
+      </a:fillRef>
+      <a:effectRef idx="0">
+        <a:scrgbClr r="0" g="0" b="0"/>
+      </a:effectRef>
+      <a:fontRef idx="minor"/>
+    </dgm:style>
+  </dgm:styleLbl>
+  <dgm:styleLbl name="fgAccFollowNode1">
+    <dgm:scene3d>
+      <a:camera prst="orthographicFront"/>
+      <a:lightRig rig="threePt" dir="t"/>
+    </dgm:scene3d>
+    <dgm:sp3d/>
+    <dgm:txPr/>
+    <dgm:style>
+      <a:lnRef idx="2">
+        <a:scrgbClr r="0" g="0" b="0"/>
+      </a:lnRef>
+      <a:fillRef idx="1">
+        <a:scrgbClr r="0" g="0" b="0"/>
+      </a:fillRef>
+      <a:effectRef idx="0">
+        <a:scrgbClr r="0" g="0" b="0"/>
+      </a:effectRef>
+      <a:fontRef idx="minor"/>
+    </dgm:style>
+  </dgm:styleLbl>
+  <dgm:styleLbl name="alignAccFollowNode1">
+    <dgm:scene3d>
+      <a:camera prst="orthographicFront"/>
+      <a:lightRig rig="threePt" dir="t"/>
+    </dgm:scene3d>
+    <dgm:sp3d/>
+    <dgm:txPr/>
+    <dgm:style>
+      <a:lnRef idx="2">
+        <a:scrgbClr r="0" g="0" b="0"/>
+      </a:lnRef>
+      <a:fillRef idx="1">
+        <a:scrgbClr r="0" g="0" b="0"/>
+      </a:fillRef>
+      <a:effectRef idx="0">
+        <a:scrgbClr r="0" g="0" b="0"/>
+      </a:effectRef>
+      <a:fontRef idx="minor"/>
+    </dgm:style>
+  </dgm:styleLbl>
+  <dgm:styleLbl name="bgAccFollowNode1">
+    <dgm:scene3d>
+      <a:camera prst="orthographicFront"/>
+      <a:lightRig rig="threePt" dir="t"/>
+    </dgm:scene3d>
+    <dgm:sp3d/>
+    <dgm:txPr/>
+    <dgm:style>
+      <a:lnRef idx="2">
+        <a:scrgbClr r="0" g="0" b="0"/>
+      </a:lnRef>
+      <a:fillRef idx="1">
+        <a:scrgbClr r="0" g="0" b="0"/>
+      </a:fillRef>
+      <a:effectRef idx="0">
+        <a:scrgbClr r="0" g="0" b="0"/>
+      </a:effectRef>
+      <a:fontRef idx="minor"/>
+    </dgm:style>
+  </dgm:styleLbl>
+  <dgm:styleLbl name="fgAcc0">
+    <dgm:scene3d>
+      <a:camera prst="orthographicFront"/>
+      <a:lightRig rig="threePt" dir="t"/>
+    </dgm:scene3d>
+    <dgm:sp3d/>
+    <dgm:txPr/>
+    <dgm:style>
+      <a:lnRef idx="2">
+        <a:scrgbClr r="0" g="0" b="0"/>
+      </a:lnRef>
+      <a:fillRef idx="1">
+        <a:scrgbClr r="0" g="0" b="0"/>
+      </a:fillRef>
+      <a:effectRef idx="0">
+        <a:scrgbClr r="0" g="0" b="0"/>
+      </a:effectRef>
+      <a:fontRef idx="minor"/>
+    </dgm:style>
+  </dgm:styleLbl>
+  <dgm:styleLbl name="fgAcc2">
+    <dgm:scene3d>
+      <a:camera prst="orthographicFront"/>
+      <a:lightRig rig="threePt" dir="t"/>
+    </dgm:scene3d>
+    <dgm:sp3d/>
+    <dgm:txPr/>
+    <dgm:style>
+      <a:lnRef idx="2">
+        <a:scrgbClr r="0" g="0" b="0"/>
+      </a:lnRef>
+      <a:fillRef idx="1">
+        <a:scrgbClr r="0" g="0" b="0"/>
+      </a:fillRef>
+      <a:effectRef idx="0">
+        <a:scrgbClr r="0" g="0" b="0"/>
+      </a:effectRef>
+      <a:fontRef idx="minor"/>
+    </dgm:style>
+  </dgm:styleLbl>
+  <dgm:styleLbl name="fgAcc3">
+    <dgm:scene3d>
+      <a:camera prst="orthographicFront"/>
+      <a:lightRig rig="threePt" dir="t"/>
+    </dgm:scene3d>
+    <dgm:sp3d/>
+    <dgm:txPr/>
+    <dgm:style>
+      <a:lnRef idx="2">
+        <a:scrgbClr r="0" g="0" b="0"/>
+      </a:lnRef>
+      <a:fillRef idx="1">
+        <a:scrgbClr r="0" g="0" b="0"/>
+      </a:fillRef>
+      <a:effectRef idx="0">
+        <a:scrgbClr r="0" g="0" b="0"/>
+      </a:effectRef>
+      <a:fontRef idx="minor"/>
+    </dgm:style>
+  </dgm:styleLbl>
+  <dgm:styleLbl name="fgAcc4">
+    <dgm:scene3d>
+      <a:camera prst="orthographicFront"/>
+      <a:lightRig rig="threePt" dir="t"/>
+    </dgm:scene3d>
+    <dgm:sp3d/>
+    <dgm:txPr/>
+    <dgm:style>
+      <a:lnRef idx="2">
+        <a:scrgbClr r="0" g="0" b="0"/>
+      </a:lnRef>
+      <a:fillRef idx="1">
+        <a:scrgbClr r="0" g="0" b="0"/>
+      </a:fillRef>
+      <a:effectRef idx="0">
+        <a:scrgbClr r="0" g="0" b="0"/>
+      </a:effectRef>
+      <a:fontRef idx="minor"/>
+    </dgm:style>
+  </dgm:styleLbl>
+  <dgm:styleLbl name="bgShp">
+    <dgm:scene3d>
+      <a:camera prst="orthographicFront"/>
+      <a:lightRig rig="threePt" dir="t"/>
+    </dgm:scene3d>
+    <dgm:sp3d/>
+    <dgm:txPr/>
+    <dgm:style>
+      <a:lnRef idx="0">
+        <a:scrgbClr r="0" g="0" b="0"/>
+      </a:lnRef>
+      <a:fillRef idx="1">
+        <a:scrgbClr r="0" g="0" b="0"/>
+      </a:fillRef>
+      <a:effectRef idx="0">
+        <a:scrgbClr r="0" g="0" b="0"/>
+      </a:effectRef>
+      <a:fontRef idx="minor"/>
+    </dgm:style>
+  </dgm:styleLbl>
+  <dgm:styleLbl name="dkBgShp">
+    <dgm:scene3d>
+      <a:camera prst="orthographicFront"/>
+      <a:lightRig rig="threePt" dir="t"/>
+    </dgm:scene3d>
+    <dgm:sp3d/>
+    <dgm:txPr/>
+    <dgm:style>
+      <a:lnRef idx="0">
+        <a:scrgbClr r="0" g="0" b="0"/>
+      </a:lnRef>
+      <a:fillRef idx="1">
+        <a:scrgbClr r="0" g="0" b="0"/>
+      </a:fillRef>
+      <a:effectRef idx="0">
+        <a:scrgbClr r="0" g="0" b="0"/>
+      </a:effectRef>
+      <a:fontRef idx="minor"/>
+    </dgm:style>
+  </dgm:styleLbl>
+  <dgm:styleLbl name="trBgShp">
+    <dgm:scene3d>
+      <a:camera prst="orthographicFront"/>
+      <a:lightRig rig="threePt" dir="t"/>
+    </dgm:scene3d>
+    <dgm:sp3d/>
+    <dgm:txPr/>
+    <dgm:style>
+      <a:lnRef idx="0">
+        <a:scrgbClr r="0" g="0" b="0"/>
+      </a:lnRef>
+      <a:fillRef idx="1">
+        <a:scrgbClr r="0" g="0" b="0"/>
+      </a:fillRef>
+      <a:effectRef idx="0">
+        <a:scrgbClr r="0" g="0" b="0"/>
+      </a:effectRef>
+      <a:fontRef idx="minor"/>
+    </dgm:style>
+  </dgm:styleLbl>
+  <dgm:styleLbl name="fgShp">
+    <dgm:scene3d>
+      <a:camera prst="orthographicFront"/>
+      <a:lightRig rig="threePt" dir="t"/>
+    </dgm:scene3d>
+    <dgm:sp3d/>
+    <dgm:txPr/>
+    <dgm:style>
+      <a:lnRef idx="2">
+        <a:scrgbClr r="0" g="0" b="0"/>
+      </a:lnRef>
+      <a:fillRef idx="1">
+        <a:scrgbClr r="0" g="0" b="0"/>
+      </a:fillRef>
+      <a:effectRef idx="0">
+        <a:scrgbClr r="0" g="0" b="0"/>
+      </a:effectRef>
+      <a:fontRef idx="minor"/>
+    </dgm:style>
+  </dgm:styleLbl>
+  <dgm:styleLbl name="revTx">
+    <dgm:scene3d>
+      <a:camera prst="orthographicFront"/>
+      <a:lightRig rig="threePt" dir="t"/>
+    </dgm:scene3d>
+    <dgm:sp3d/>
+    <dgm:txPr/>
+    <dgm:style>
+      <a:lnRef idx="0">
+        <a:scrgbClr r="0" g="0" b="0"/>
+      </a:lnRef>
+      <a:fillRef idx="0">
+        <a:scrgbClr r="0" g="0" b="0"/>
+      </a:fillRef>
+      <a:effectRef idx="0">
+        <a:scrgbClr r="0" g="0" b="0"/>
+      </a:effectRef>
+      <a:fontRef idx="minor"/>
+    </dgm:style>
+  </dgm:styleLbl>
+</dgm:styleDef>
 </file>
 
 <file path=ppt/handoutMasters/handoutMaster1.xml><?xml version="1.0" encoding="utf-8"?>
@@ -241,7 +3626,7 @@
           <a:p>
             <a:fld id="{C6AC6211-610F-44E5-BF19-D3CDF6EDD281}" type="datetimeFigureOut">
               <a:rPr lang="de-DE" smtClean="0"/>
-              <a:t>26.01.2022</a:t>
+              <a:t>28.01.2022</a:t>
             </a:fld>
             <a:endParaRPr lang="de-DE"/>
           </a:p>
@@ -407,7 +3792,7 @@
           <a:p>
             <a:fld id="{347435D3-23A6-45D3-8DFA-7317DC1E7A64}" type="datetimeFigureOut">
               <a:rPr lang="de-DE" smtClean="0"/>
-              <a:t>26.01.2022</a:t>
+              <a:t>28.01.2022</a:t>
             </a:fld>
             <a:endParaRPr lang="de-DE"/>
           </a:p>
@@ -11271,8 +14656,8 @@
         </p:blipFill>
         <p:spPr>
           <a:xfrm>
-            <a:off x="10860000" y="52859"/>
-            <a:ext cx="1332000" cy="1332000"/>
+            <a:off x="10923591" y="41476"/>
+            <a:ext cx="1217444" cy="1217444"/>
           </a:xfrm>
           <a:prstGeom prst="rect">
             <a:avLst/>
@@ -12059,9 +15444,16 @@
             <p:ph type="title"/>
           </p:nvPr>
         </p:nvSpPr>
-        <p:spPr/>
-        <p:txBody>
-          <a:bodyPr/>
+        <p:spPr>
+          <a:xfrm>
+            <a:off x="874712" y="346075"/>
+            <a:ext cx="9914687" cy="684213"/>
+          </a:xfrm>
+        </p:spPr>
+        <p:txBody>
+          <a:bodyPr anchor="t">
+            <a:normAutofit/>
+          </a:bodyPr>
           <a:lstStyle/>
           <a:p>
             <a:r>
@@ -12071,78 +15463,37 @@
           </a:p>
         </p:txBody>
       </p:sp>
-      <p:sp>
-        <p:nvSpPr>
-          <p:cNvPr id="9" name="Inhaltsplatzhalter 8">
+      <p:graphicFrame>
+        <p:nvGraphicFramePr>
+          <p:cNvPr id="11" name="Inhaltsplatzhalter 8">
             <a:extLst>
               <a:ext uri="{FF2B5EF4-FFF2-40B4-BE49-F238E27FC236}">
-                <a16:creationId xmlns:a16="http://schemas.microsoft.com/office/drawing/2014/main" id="{DEC72D97-C51B-49C6-B17D-6CC0746CC22A}"/>
+                <a16:creationId xmlns:a16="http://schemas.microsoft.com/office/drawing/2014/main" id="{D118673C-C175-4A00-81C7-7F03C36643D5}"/>
               </a:ext>
             </a:extLst>
           </p:cNvPr>
-          <p:cNvSpPr>
-            <a:spLocks noGrp="1"/>
-          </p:cNvSpPr>
+          <p:cNvGraphicFramePr>
+            <a:graphicFrameLocks noGrp="1"/>
+          </p:cNvGraphicFramePr>
           <p:nvPr>
             <p:ph sz="quarter" idx="10"/>
-          </p:nvPr>
-        </p:nvSpPr>
-        <p:spPr/>
-        <p:txBody>
-          <a:bodyPr/>
-          <a:lstStyle/>
-          <a:p>
-            <a:pPr marL="342900" indent="-342900">
-              <a:buFont typeface="+mj-lt"/>
-              <a:buAutoNum type="arabicPeriod"/>
-            </a:pPr>
-            <a:r>
-              <a:rPr lang="de-DE" dirty="0"/>
-              <a:t>Einordnung und Motivation der Aufgabenstellung mit Anforderungen</a:t>
-            </a:r>
-          </a:p>
-          <a:p>
-            <a:pPr marL="342900" indent="-342900">
-              <a:buFont typeface="+mj-lt"/>
-              <a:buAutoNum type="arabicPeriod"/>
-            </a:pPr>
-            <a:r>
-              <a:rPr lang="de-DE" dirty="0"/>
-              <a:t>Vorgehen, Varianten</a:t>
-            </a:r>
-          </a:p>
-          <a:p>
-            <a:pPr marL="342900" indent="-342900">
-              <a:buFont typeface="+mj-lt"/>
-              <a:buAutoNum type="arabicPeriod"/>
-            </a:pPr>
-            <a:r>
-              <a:rPr lang="de-DE" dirty="0"/>
-              <a:t>Vorstellung der entworfenen Softwarelösung unter Nutzung von Diagrammen</a:t>
-            </a:r>
-          </a:p>
-          <a:p>
-            <a:pPr marL="342900" indent="-342900">
-              <a:buFont typeface="+mj-lt"/>
-              <a:buAutoNum type="arabicPeriod"/>
-            </a:pPr>
-            <a:r>
-              <a:rPr lang="de-DE" dirty="0"/>
-              <a:t>Testergebnisse und Auswertung der Lösung, ggf. Erkenntnisse oder Verbesserungsmöglichkeiten</a:t>
-            </a:r>
-          </a:p>
-          <a:p>
-            <a:pPr marL="342900" indent="-342900">
-              <a:buFont typeface="+mj-lt"/>
-              <a:buAutoNum type="arabicPeriod"/>
-            </a:pPr>
-            <a:r>
-              <a:rPr lang="de-DE" dirty="0"/>
-              <a:t>(praktische) Vorstellung der Lösung</a:t>
-            </a:r>
-          </a:p>
-        </p:txBody>
-      </p:sp>
+            <p:extLst>
+              <p:ext uri="{D42A27DB-BD31-4B8C-83A1-F6EECF244321}">
+                <p14:modId xmlns:p14="http://schemas.microsoft.com/office/powerpoint/2010/main" val="2776353727"/>
+              </p:ext>
+            </p:extLst>
+          </p:nvPr>
+        </p:nvGraphicFramePr>
+        <p:xfrm>
+          <a:off x="874711" y="1484313"/>
+          <a:ext cx="10580688" cy="4344987"/>
+        </p:xfrm>
+        <a:graphic>
+          <a:graphicData uri="http://schemas.openxmlformats.org/drawingml/2006/diagram">
+            <dgm:relIds xmlns:dgm="http://schemas.openxmlformats.org/drawingml/2006/diagram" xmlns:r="http://schemas.openxmlformats.org/officeDocument/2006/relationships" r:dm="rId2" r:lo="rId3" r:qs="rId4" r:cs="rId5"/>
+          </a:graphicData>
+        </a:graphic>
+      </p:graphicFrame>
     </p:spTree>
     <p:extLst>
       <p:ext uri="{BB962C8B-B14F-4D97-AF65-F5344CB8AC3E}">
@@ -12157,6 +15508,617 @@
 </file>
 
 <file path=ppt/slides/slide3.xml><?xml version="1.0" encoding="utf-8"?>
+<p:sld xmlns:a="http://schemas.openxmlformats.org/drawingml/2006/main" xmlns:r="http://schemas.openxmlformats.org/officeDocument/2006/relationships" xmlns:p="http://schemas.openxmlformats.org/presentationml/2006/main">
+  <p:cSld>
+    <p:spTree>
+      <p:nvGrpSpPr>
+        <p:cNvPr id="1" name=""/>
+        <p:cNvGrpSpPr/>
+        <p:nvPr/>
+      </p:nvGrpSpPr>
+      <p:grpSpPr>
+        <a:xfrm>
+          <a:off x="0" y="0"/>
+          <a:ext cx="0" cy="0"/>
+          <a:chOff x="0" y="0"/>
+          <a:chExt cx="0" cy="0"/>
+        </a:xfrm>
+      </p:grpSpPr>
+      <p:sp>
+        <p:nvSpPr>
+          <p:cNvPr id="2" name="Titel 1">
+            <a:extLst>
+              <a:ext uri="{FF2B5EF4-FFF2-40B4-BE49-F238E27FC236}">
+                <a16:creationId xmlns:a16="http://schemas.microsoft.com/office/drawing/2014/main" id="{0F0A7DC5-A331-4947-A8BD-4419FC932803}"/>
+              </a:ext>
+            </a:extLst>
+          </p:cNvPr>
+          <p:cNvSpPr>
+            <a:spLocks noGrp="1"/>
+          </p:cNvSpPr>
+          <p:nvPr>
+            <p:ph type="title"/>
+          </p:nvPr>
+        </p:nvSpPr>
+        <p:spPr>
+          <a:xfrm>
+            <a:off x="166500" y="489510"/>
+            <a:ext cx="9914687" cy="684213"/>
+          </a:xfrm>
+        </p:spPr>
+        <p:txBody>
+          <a:bodyPr/>
+          <a:lstStyle/>
+          <a:p>
+            <a:r>
+              <a:rPr lang="de-DE" dirty="0"/>
+              <a:t>1. Aufgabenstellung </a:t>
+            </a:r>
+          </a:p>
+        </p:txBody>
+      </p:sp>
+      <p:sp>
+        <p:nvSpPr>
+          <p:cNvPr id="3" name="Inhaltsplatzhalter 2">
+            <a:extLst>
+              <a:ext uri="{FF2B5EF4-FFF2-40B4-BE49-F238E27FC236}">
+                <a16:creationId xmlns:a16="http://schemas.microsoft.com/office/drawing/2014/main" id="{F04A1B28-466B-434B-9FDB-E5EC4F237302}"/>
+              </a:ext>
+            </a:extLst>
+          </p:cNvPr>
+          <p:cNvSpPr>
+            <a:spLocks noGrp="1"/>
+          </p:cNvSpPr>
+          <p:nvPr>
+            <p:ph sz="quarter" idx="10"/>
+          </p:nvPr>
+        </p:nvSpPr>
+        <p:spPr>
+          <a:xfrm>
+            <a:off x="874711" y="1484313"/>
+            <a:ext cx="5884677" cy="4344987"/>
+          </a:xfrm>
+        </p:spPr>
+        <p:txBody>
+          <a:bodyPr/>
+          <a:lstStyle/>
+          <a:p>
+            <a:endParaRPr lang="de-DE" dirty="0">
+              <a:solidFill>
+                <a:schemeClr val="tx1"/>
+              </a:solidFill>
+            </a:endParaRPr>
+          </a:p>
+          <a:p>
+            <a:endParaRPr lang="de-DE" dirty="0">
+              <a:solidFill>
+                <a:schemeClr val="tx1"/>
+              </a:solidFill>
+            </a:endParaRPr>
+          </a:p>
+          <a:p>
+            <a:endParaRPr lang="de-DE" dirty="0">
+              <a:solidFill>
+                <a:schemeClr val="tx1"/>
+              </a:solidFill>
+            </a:endParaRPr>
+          </a:p>
+          <a:p>
+            <a:endParaRPr lang="de-DE" dirty="0">
+              <a:solidFill>
+                <a:schemeClr val="tx1"/>
+              </a:solidFill>
+            </a:endParaRPr>
+          </a:p>
+          <a:p>
+            <a:r>
+              <a:rPr lang="de-DE" sz="1050" dirty="0" err="1">
+                <a:solidFill>
+                  <a:schemeClr val="tx1"/>
+                </a:solidFill>
+              </a:rPr>
+              <a:t>Node-Red</a:t>
+            </a:r>
+            <a:r>
+              <a:rPr lang="de-DE" sz="1050" dirty="0">
+                <a:solidFill>
+                  <a:schemeClr val="tx1"/>
+                </a:solidFill>
+              </a:rPr>
+              <a:t> ist ein Tool zur Orchestrierung von Diensten im Internet. Es stellt einen Editor bereit, mit dem Datenflüsse über verschiedene Knoten in einem Netzwerk hinweg erstellt werden können. Damit löst das Tool eventuell diverse Probleme, die auch in der Automatisierungstechnik auftreten, zum Beispiel bei der Entwicklung eines verteilten Prozessleitsystems oder auch eines konzentrierten AT-Systems. In diesem Projekt soll das Werkzeug im Allgemeinen untersucht werden: Wozu dient es?, wie funktioniert es? usw. Im Speziellen interessiert uns aber, wie das Werkzeug erweitert werden kann, sodass eigene Dienste/Netzwerkknoten/Server/etc. in das Werkzeug eingebunden werden können. In einem Beispiel könnte mittels Node.js mehrere Webservices aufgesetzt werden, die bspw. Alarme generieren, speichern und ausgeben können oder einfache Datenanalysen ausführen und die dann mittels </a:t>
+            </a:r>
+            <a:r>
+              <a:rPr lang="de-DE" sz="1050" dirty="0" err="1">
+                <a:solidFill>
+                  <a:schemeClr val="tx1"/>
+                </a:solidFill>
+              </a:rPr>
+              <a:t>Node-Red</a:t>
+            </a:r>
+            <a:r>
+              <a:rPr lang="de-DE" sz="1050" dirty="0">
+                <a:solidFill>
+                  <a:schemeClr val="tx1"/>
+                </a:solidFill>
+              </a:rPr>
+              <a:t> zusammengeschaltet werden.</a:t>
+            </a:r>
+          </a:p>
+          <a:p>
+            <a:pPr marL="285750" indent="-285750">
+              <a:buFont typeface="Arial" panose="020B0604020202020204" pitchFamily="34" charset="0"/>
+              <a:buChar char="•"/>
+            </a:pPr>
+            <a:r>
+              <a:rPr lang="de-DE" dirty="0">
+                <a:solidFill>
+                  <a:schemeClr val="tx1"/>
+                </a:solidFill>
+              </a:rPr>
+              <a:t>Einordnung</a:t>
+            </a:r>
+          </a:p>
+          <a:p>
+            <a:pPr marL="285750" indent="-285750">
+              <a:buFont typeface="Arial" panose="020B0604020202020204" pitchFamily="34" charset="0"/>
+              <a:buChar char="•"/>
+            </a:pPr>
+            <a:r>
+              <a:rPr lang="de-DE" dirty="0">
+                <a:solidFill>
+                  <a:schemeClr val="tx1"/>
+                </a:solidFill>
+              </a:rPr>
+              <a:t>Motivation</a:t>
+            </a:r>
+          </a:p>
+          <a:p>
+            <a:pPr marL="285750" indent="-285750">
+              <a:buFont typeface="Arial" panose="020B0604020202020204" pitchFamily="34" charset="0"/>
+              <a:buChar char="•"/>
+            </a:pPr>
+            <a:r>
+              <a:rPr lang="de-DE" dirty="0">
+                <a:solidFill>
+                  <a:schemeClr val="tx1"/>
+                </a:solidFill>
+              </a:rPr>
+              <a:t>Anforderungen</a:t>
+            </a:r>
+          </a:p>
+        </p:txBody>
+      </p:sp>
+      <p:pic>
+        <p:nvPicPr>
+          <p:cNvPr id="5" name="Grafik 4">
+            <a:extLst>
+              <a:ext uri="{FF2B5EF4-FFF2-40B4-BE49-F238E27FC236}">
+                <a16:creationId xmlns:a16="http://schemas.microsoft.com/office/drawing/2014/main" id="{1A3D29CD-3954-478D-B83D-8665DD2F0A4B}"/>
+              </a:ext>
+            </a:extLst>
+          </p:cNvPr>
+          <p:cNvPicPr>
+            <a:picLocks noChangeAspect="1"/>
+          </p:cNvPicPr>
+          <p:nvPr/>
+        </p:nvPicPr>
+        <p:blipFill>
+          <a:blip r:embed="rId2" cstate="print">
+            <a:extLst>
+              <a:ext uri="{28A0092B-C50C-407E-A947-70E740481C1C}">
+                <a14:useLocalDpi xmlns:a14="http://schemas.microsoft.com/office/drawing/2010/main" val="0"/>
+              </a:ext>
+            </a:extLst>
+          </a:blip>
+          <a:stretch>
+            <a:fillRect/>
+          </a:stretch>
+        </p:blipFill>
+        <p:spPr>
+          <a:xfrm>
+            <a:off x="6920381" y="1484313"/>
+            <a:ext cx="4535018" cy="3369518"/>
+          </a:xfrm>
+          <a:prstGeom prst="rect">
+            <a:avLst/>
+          </a:prstGeom>
+        </p:spPr>
+      </p:pic>
+      <p:sp>
+        <p:nvSpPr>
+          <p:cNvPr id="6" name="Textfeld 5">
+            <a:extLst>
+              <a:ext uri="{FF2B5EF4-FFF2-40B4-BE49-F238E27FC236}">
+                <a16:creationId xmlns:a16="http://schemas.microsoft.com/office/drawing/2014/main" id="{FCFB9A90-F90E-4ED4-895B-25A8A316C9BF}"/>
+              </a:ext>
+            </a:extLst>
+          </p:cNvPr>
+          <p:cNvSpPr txBox="1"/>
+          <p:nvPr/>
+        </p:nvSpPr>
+        <p:spPr>
+          <a:xfrm>
+            <a:off x="7072468" y="4887799"/>
+            <a:ext cx="4382931" cy="200055"/>
+          </a:xfrm>
+          <a:prstGeom prst="rect">
+            <a:avLst/>
+          </a:prstGeom>
+          <a:noFill/>
+        </p:spPr>
+        <p:txBody>
+          <a:bodyPr wrap="none" rtlCol="0">
+            <a:spAutoFit/>
+          </a:bodyPr>
+          <a:lstStyle/>
+          <a:p>
+            <a:r>
+              <a:rPr lang="de-DE" sz="700" dirty="0"/>
+              <a:t>Quelle: https://de.statista.com/prognosen/885611/anzahl-der-smart-home-haushalte-in-deutschland</a:t>
+            </a:r>
+          </a:p>
+        </p:txBody>
+      </p:sp>
+      <p:pic>
+        <p:nvPicPr>
+          <p:cNvPr id="1026" name="Picture 2">
+            <a:extLst>
+              <a:ext uri="{FF2B5EF4-FFF2-40B4-BE49-F238E27FC236}">
+                <a16:creationId xmlns:a16="http://schemas.microsoft.com/office/drawing/2014/main" id="{1ED38127-F997-440B-816B-9288D6ACBADD}"/>
+              </a:ext>
+            </a:extLst>
+          </p:cNvPr>
+          <p:cNvPicPr>
+            <a:picLocks noChangeAspect="1" noChangeArrowheads="1"/>
+          </p:cNvPicPr>
+          <p:nvPr/>
+        </p:nvPicPr>
+        <p:blipFill>
+          <a:blip r:embed="rId3" cstate="print">
+            <a:extLst>
+              <a:ext uri="{28A0092B-C50C-407E-A947-70E740481C1C}">
+                <a14:useLocalDpi xmlns:a14="http://schemas.microsoft.com/office/drawing/2010/main" val="0"/>
+              </a:ext>
+            </a:extLst>
+          </a:blip>
+          <a:srcRect/>
+          <a:stretch>
+            <a:fillRect/>
+          </a:stretch>
+        </p:blipFill>
+        <p:spPr bwMode="auto">
+          <a:xfrm>
+            <a:off x="2635623" y="1487540"/>
+            <a:ext cx="1295519" cy="1295519"/>
+          </a:xfrm>
+          <a:prstGeom prst="rect">
+            <a:avLst/>
+          </a:prstGeom>
+          <a:noFill/>
+          <a:extLst>
+            <a:ext uri="{909E8E84-426E-40DD-AFC4-6F175D3DCCD1}">
+              <a14:hiddenFill xmlns:a14="http://schemas.microsoft.com/office/drawing/2010/main">
+                <a:solidFill>
+                  <a:srgbClr val="FFFFFF"/>
+                </a:solidFill>
+              </a14:hiddenFill>
+            </a:ext>
+          </a:extLst>
+        </p:spPr>
+      </p:pic>
+      <p:sp>
+        <p:nvSpPr>
+          <p:cNvPr id="10" name="Textfeld 9">
+            <a:extLst>
+              <a:ext uri="{FF2B5EF4-FFF2-40B4-BE49-F238E27FC236}">
+                <a16:creationId xmlns:a16="http://schemas.microsoft.com/office/drawing/2014/main" id="{E61318E5-26B6-4FFF-9C7A-553AF9B75204}"/>
+              </a:ext>
+            </a:extLst>
+          </p:cNvPr>
+          <p:cNvSpPr txBox="1"/>
+          <p:nvPr/>
+        </p:nvSpPr>
+        <p:spPr>
+          <a:xfrm>
+            <a:off x="2568268" y="2783059"/>
+            <a:ext cx="1362874" cy="200055"/>
+          </a:xfrm>
+          <a:prstGeom prst="rect">
+            <a:avLst/>
+          </a:prstGeom>
+          <a:noFill/>
+        </p:spPr>
+        <p:txBody>
+          <a:bodyPr wrap="none" rtlCol="0">
+            <a:spAutoFit/>
+          </a:bodyPr>
+          <a:lstStyle/>
+          <a:p>
+            <a:r>
+              <a:rPr lang="de-DE" sz="700" dirty="0"/>
+              <a:t>Quelle: https://nodered.org/</a:t>
+            </a:r>
+          </a:p>
+        </p:txBody>
+      </p:sp>
+    </p:spTree>
+    <p:extLst>
+      <p:ext uri="{BB962C8B-B14F-4D97-AF65-F5344CB8AC3E}">
+        <p14:creationId xmlns:p14="http://schemas.microsoft.com/office/powerpoint/2010/main" val="2156365346"/>
+      </p:ext>
+    </p:extLst>
+  </p:cSld>
+  <p:clrMapOvr>
+    <a:masterClrMapping/>
+  </p:clrMapOvr>
+</p:sld>
+</file>
+
+<file path=ppt/slides/slide4.xml><?xml version="1.0" encoding="utf-8"?>
+<p:sld xmlns:a="http://schemas.openxmlformats.org/drawingml/2006/main" xmlns:r="http://schemas.openxmlformats.org/officeDocument/2006/relationships" xmlns:p="http://schemas.openxmlformats.org/presentationml/2006/main">
+  <p:cSld>
+    <p:spTree>
+      <p:nvGrpSpPr>
+        <p:cNvPr id="1" name=""/>
+        <p:cNvGrpSpPr/>
+        <p:nvPr/>
+      </p:nvGrpSpPr>
+      <p:grpSpPr>
+        <a:xfrm>
+          <a:off x="0" y="0"/>
+          <a:ext cx="0" cy="0"/>
+          <a:chOff x="0" y="0"/>
+          <a:chExt cx="0" cy="0"/>
+        </a:xfrm>
+      </p:grpSpPr>
+      <p:sp>
+        <p:nvSpPr>
+          <p:cNvPr id="2" name="Titel 1">
+            <a:extLst>
+              <a:ext uri="{FF2B5EF4-FFF2-40B4-BE49-F238E27FC236}">
+                <a16:creationId xmlns:a16="http://schemas.microsoft.com/office/drawing/2014/main" id="{0F0A7DC5-A331-4947-A8BD-4419FC932803}"/>
+              </a:ext>
+            </a:extLst>
+          </p:cNvPr>
+          <p:cNvSpPr>
+            <a:spLocks noGrp="1"/>
+          </p:cNvSpPr>
+          <p:nvPr>
+            <p:ph type="title"/>
+          </p:nvPr>
+        </p:nvSpPr>
+        <p:spPr/>
+        <p:txBody>
+          <a:bodyPr/>
+          <a:lstStyle/>
+          <a:p>
+            <a:r>
+              <a:rPr lang="de-DE" dirty="0"/>
+              <a:t>2. Konzept</a:t>
+            </a:r>
+          </a:p>
+        </p:txBody>
+      </p:sp>
+      <p:sp>
+        <p:nvSpPr>
+          <p:cNvPr id="3" name="Inhaltsplatzhalter 2">
+            <a:extLst>
+              <a:ext uri="{FF2B5EF4-FFF2-40B4-BE49-F238E27FC236}">
+                <a16:creationId xmlns:a16="http://schemas.microsoft.com/office/drawing/2014/main" id="{F04A1B28-466B-434B-9FDB-E5EC4F237302}"/>
+              </a:ext>
+            </a:extLst>
+          </p:cNvPr>
+          <p:cNvSpPr>
+            <a:spLocks noGrp="1"/>
+          </p:cNvSpPr>
+          <p:nvPr>
+            <p:ph sz="quarter" idx="10"/>
+          </p:nvPr>
+        </p:nvSpPr>
+        <p:spPr/>
+        <p:txBody>
+          <a:bodyPr/>
+          <a:lstStyle/>
+          <a:p>
+            <a:r>
+              <a:rPr lang="de-DE" dirty="0"/>
+              <a:t>Vorgehen, Varianten</a:t>
+            </a:r>
+          </a:p>
+        </p:txBody>
+      </p:sp>
+    </p:spTree>
+    <p:extLst>
+      <p:ext uri="{BB962C8B-B14F-4D97-AF65-F5344CB8AC3E}">
+        <p14:creationId xmlns:p14="http://schemas.microsoft.com/office/powerpoint/2010/main" val="1484047243"/>
+      </p:ext>
+    </p:extLst>
+  </p:cSld>
+  <p:clrMapOvr>
+    <a:masterClrMapping/>
+  </p:clrMapOvr>
+</p:sld>
+</file>
+
+<file path=ppt/slides/slide5.xml><?xml version="1.0" encoding="utf-8"?>
+<p:sld xmlns:a="http://schemas.openxmlformats.org/drawingml/2006/main" xmlns:r="http://schemas.openxmlformats.org/officeDocument/2006/relationships" xmlns:p="http://schemas.openxmlformats.org/presentationml/2006/main">
+  <p:cSld>
+    <p:spTree>
+      <p:nvGrpSpPr>
+        <p:cNvPr id="1" name=""/>
+        <p:cNvGrpSpPr/>
+        <p:nvPr/>
+      </p:nvGrpSpPr>
+      <p:grpSpPr>
+        <a:xfrm>
+          <a:off x="0" y="0"/>
+          <a:ext cx="0" cy="0"/>
+          <a:chOff x="0" y="0"/>
+          <a:chExt cx="0" cy="0"/>
+        </a:xfrm>
+      </p:grpSpPr>
+      <p:sp>
+        <p:nvSpPr>
+          <p:cNvPr id="2" name="Titel 1">
+            <a:extLst>
+              <a:ext uri="{FF2B5EF4-FFF2-40B4-BE49-F238E27FC236}">
+                <a16:creationId xmlns:a16="http://schemas.microsoft.com/office/drawing/2014/main" id="{334FB428-EFAF-49F5-B029-D4EDD264F54A}"/>
+              </a:ext>
+            </a:extLst>
+          </p:cNvPr>
+          <p:cNvSpPr>
+            <a:spLocks noGrp="1"/>
+          </p:cNvSpPr>
+          <p:nvPr>
+            <p:ph type="title"/>
+          </p:nvPr>
+        </p:nvSpPr>
+        <p:spPr/>
+        <p:txBody>
+          <a:bodyPr/>
+          <a:lstStyle/>
+          <a:p>
+            <a:r>
+              <a:rPr lang="de-DE" dirty="0"/>
+              <a:t>3. Implementation</a:t>
+            </a:r>
+          </a:p>
+        </p:txBody>
+      </p:sp>
+      <p:sp>
+        <p:nvSpPr>
+          <p:cNvPr id="3" name="Inhaltsplatzhalter 2">
+            <a:extLst>
+              <a:ext uri="{FF2B5EF4-FFF2-40B4-BE49-F238E27FC236}">
+                <a16:creationId xmlns:a16="http://schemas.microsoft.com/office/drawing/2014/main" id="{2B52BE61-9C5B-4E13-B90F-AF2264581D49}"/>
+              </a:ext>
+            </a:extLst>
+          </p:cNvPr>
+          <p:cNvSpPr>
+            <a:spLocks noGrp="1"/>
+          </p:cNvSpPr>
+          <p:nvPr>
+            <p:ph sz="quarter" idx="10"/>
+          </p:nvPr>
+        </p:nvSpPr>
+        <p:spPr/>
+        <p:txBody>
+          <a:bodyPr/>
+          <a:lstStyle/>
+          <a:p>
+            <a:r>
+              <a:rPr lang="de-DE" dirty="0"/>
+              <a:t>Vorstellung der entworfenen Softwarelösung unter Nutzung von Diagrammen</a:t>
+            </a:r>
+          </a:p>
+          <a:p>
+            <a:endParaRPr lang="de-DE" dirty="0"/>
+          </a:p>
+        </p:txBody>
+      </p:sp>
+    </p:spTree>
+    <p:extLst>
+      <p:ext uri="{BB962C8B-B14F-4D97-AF65-F5344CB8AC3E}">
+        <p14:creationId xmlns:p14="http://schemas.microsoft.com/office/powerpoint/2010/main" val="2342928306"/>
+      </p:ext>
+    </p:extLst>
+  </p:cSld>
+  <p:clrMapOvr>
+    <a:masterClrMapping/>
+  </p:clrMapOvr>
+</p:sld>
+</file>
+
+<file path=ppt/slides/slide6.xml><?xml version="1.0" encoding="utf-8"?>
+<p:sld xmlns:a="http://schemas.openxmlformats.org/drawingml/2006/main" xmlns:r="http://schemas.openxmlformats.org/officeDocument/2006/relationships" xmlns:p="http://schemas.openxmlformats.org/presentationml/2006/main">
+  <p:cSld>
+    <p:spTree>
+      <p:nvGrpSpPr>
+        <p:cNvPr id="1" name=""/>
+        <p:cNvGrpSpPr/>
+        <p:nvPr/>
+      </p:nvGrpSpPr>
+      <p:grpSpPr>
+        <a:xfrm>
+          <a:off x="0" y="0"/>
+          <a:ext cx="0" cy="0"/>
+          <a:chOff x="0" y="0"/>
+          <a:chExt cx="0" cy="0"/>
+        </a:xfrm>
+      </p:grpSpPr>
+      <p:sp>
+        <p:nvSpPr>
+          <p:cNvPr id="2" name="Titel 1">
+            <a:extLst>
+              <a:ext uri="{FF2B5EF4-FFF2-40B4-BE49-F238E27FC236}">
+                <a16:creationId xmlns:a16="http://schemas.microsoft.com/office/drawing/2014/main" id="{454F0D53-C238-4922-9E04-75B11802CB3B}"/>
+              </a:ext>
+            </a:extLst>
+          </p:cNvPr>
+          <p:cNvSpPr>
+            <a:spLocks noGrp="1"/>
+          </p:cNvSpPr>
+          <p:nvPr>
+            <p:ph type="title"/>
+          </p:nvPr>
+        </p:nvSpPr>
+        <p:spPr/>
+        <p:txBody>
+          <a:bodyPr/>
+          <a:lstStyle/>
+          <a:p>
+            <a:r>
+              <a:rPr lang="de-DE" dirty="0"/>
+              <a:t>4. Diskussion</a:t>
+            </a:r>
+          </a:p>
+        </p:txBody>
+      </p:sp>
+      <p:sp>
+        <p:nvSpPr>
+          <p:cNvPr id="3" name="Inhaltsplatzhalter 2">
+            <a:extLst>
+              <a:ext uri="{FF2B5EF4-FFF2-40B4-BE49-F238E27FC236}">
+                <a16:creationId xmlns:a16="http://schemas.microsoft.com/office/drawing/2014/main" id="{7F1450A4-F8AC-43D3-89E4-EB1A5BABDFB7}"/>
+              </a:ext>
+            </a:extLst>
+          </p:cNvPr>
+          <p:cNvSpPr>
+            <a:spLocks noGrp="1"/>
+          </p:cNvSpPr>
+          <p:nvPr>
+            <p:ph sz="quarter" idx="10"/>
+          </p:nvPr>
+        </p:nvSpPr>
+        <p:spPr/>
+        <p:txBody>
+          <a:bodyPr/>
+          <a:lstStyle/>
+          <a:p>
+            <a:r>
+              <a:rPr lang="de-DE" dirty="0"/>
+              <a:t>Testergebnisse und Auswertung der Lösung, ggf. Erkenntnisse oder Verbesserungsmöglichkeiten</a:t>
+            </a:r>
+          </a:p>
+          <a:p>
+            <a:endParaRPr lang="de-DE" dirty="0"/>
+          </a:p>
+        </p:txBody>
+      </p:sp>
+    </p:spTree>
+    <p:extLst>
+      <p:ext uri="{BB962C8B-B14F-4D97-AF65-F5344CB8AC3E}">
+        <p14:creationId xmlns:p14="http://schemas.microsoft.com/office/powerpoint/2010/main" val="3316511011"/>
+      </p:ext>
+    </p:extLst>
+  </p:cSld>
+  <p:clrMapOvr>
+    <a:masterClrMapping/>
+  </p:clrMapOvr>
+</p:sld>
+</file>
+
+<file path=ppt/slides/slide7.xml><?xml version="1.0" encoding="utf-8"?>
 <p:sld xmlns:a="http://schemas.openxmlformats.org/drawingml/2006/main" xmlns:r="http://schemas.openxmlformats.org/officeDocument/2006/relationships" xmlns:p="http://schemas.openxmlformats.org/presentationml/2006/main">
   <p:cSld>
     <p:spTree>
